--- a/EGSC_公共平台_架构设计_统一认证_v1.0_20171208.pptx
+++ b/EGSC_公共平台_架构设计_统一认证_v1.0_20171208.pptx
@@ -179,7 +179,7 @@
           <p:cNvPr id="2" name="Header Placeholder 1">
             <a:extLst>
               <a:ext uri="{FF2B5EF4-FFF2-40B4-BE49-F238E27FC236}">
-                <a16:creationId xmlns:a16="http://schemas.microsoft.com/office/drawing/2014/main" id="{4B35F8C7-E4FE-4408-B259-37B8FB7B506A}"/>
+                <a16:creationId xmlns:a16="http://schemas.microsoft.com/office/drawing/2014/main" xmlns="" id="{4B35F8C7-E4FE-4408-B259-37B8FB7B506A}"/>
               </a:ext>
             </a:extLst>
           </p:cNvPr>
@@ -216,7 +216,7 @@
           <p:cNvPr id="3" name="Date Placeholder 2">
             <a:extLst>
               <a:ext uri="{FF2B5EF4-FFF2-40B4-BE49-F238E27FC236}">
-                <a16:creationId xmlns:a16="http://schemas.microsoft.com/office/drawing/2014/main" id="{FCE43200-CB06-483F-AEF7-FA61E76D4C17}"/>
+                <a16:creationId xmlns:a16="http://schemas.microsoft.com/office/drawing/2014/main" xmlns="" id="{FCE43200-CB06-483F-AEF7-FA61E76D4C17}"/>
               </a:ext>
             </a:extLst>
           </p:cNvPr>
@@ -257,7 +257,7 @@
           <p:cNvPr id="4" name="Footer Placeholder 3">
             <a:extLst>
               <a:ext uri="{FF2B5EF4-FFF2-40B4-BE49-F238E27FC236}">
-                <a16:creationId xmlns:a16="http://schemas.microsoft.com/office/drawing/2014/main" id="{3CDBD451-E77C-4E0F-8777-EBB2C8DB8944}"/>
+                <a16:creationId xmlns:a16="http://schemas.microsoft.com/office/drawing/2014/main" xmlns="" id="{3CDBD451-E77C-4E0F-8777-EBB2C8DB8944}"/>
               </a:ext>
             </a:extLst>
           </p:cNvPr>
@@ -298,7 +298,7 @@
           <p:cNvPr id="5" name="Slide Number Placeholder 4">
             <a:extLst>
               <a:ext uri="{FF2B5EF4-FFF2-40B4-BE49-F238E27FC236}">
-                <a16:creationId xmlns:a16="http://schemas.microsoft.com/office/drawing/2014/main" id="{3654669A-9B68-4C51-AA72-9F3AF5B1BE9B}"/>
+                <a16:creationId xmlns:a16="http://schemas.microsoft.com/office/drawing/2014/main" xmlns="" id="{3654669A-9B68-4C51-AA72-9F3AF5B1BE9B}"/>
               </a:ext>
             </a:extLst>
           </p:cNvPr>
@@ -2301,7 +2301,7 @@
           <p:cNvPr id="2" name="Date Placeholder 3">
             <a:extLst>
               <a:ext uri="{FF2B5EF4-FFF2-40B4-BE49-F238E27FC236}">
-                <a16:creationId xmlns:a16="http://schemas.microsoft.com/office/drawing/2014/main" id="{D8DDAD2F-CC3C-48C7-991E-BF9816A0720C}"/>
+                <a16:creationId xmlns:a16="http://schemas.microsoft.com/office/drawing/2014/main" xmlns="" id="{D8DDAD2F-CC3C-48C7-991E-BF9816A0720C}"/>
               </a:ext>
             </a:extLst>
           </p:cNvPr>
@@ -2350,7 +2350,7 @@
           <p:cNvPr id="3" name="Footer Placeholder 4">
             <a:extLst>
               <a:ext uri="{FF2B5EF4-FFF2-40B4-BE49-F238E27FC236}">
-                <a16:creationId xmlns:a16="http://schemas.microsoft.com/office/drawing/2014/main" id="{D444F573-1A94-43C3-92B8-EF31C5ED67CE}"/>
+                <a16:creationId xmlns:a16="http://schemas.microsoft.com/office/drawing/2014/main" xmlns="" id="{D444F573-1A94-43C3-92B8-EF31C5ED67CE}"/>
               </a:ext>
             </a:extLst>
           </p:cNvPr>
@@ -2436,7 +2436,7 @@
           <p:cNvPr id="2" name="Title 1">
             <a:extLst>
               <a:ext uri="{FF2B5EF4-FFF2-40B4-BE49-F238E27FC236}">
-                <a16:creationId xmlns:a16="http://schemas.microsoft.com/office/drawing/2014/main" id="{329F8096-2136-4D0C-8AB1-497211D749B5}"/>
+                <a16:creationId xmlns:a16="http://schemas.microsoft.com/office/drawing/2014/main" xmlns="" id="{329F8096-2136-4D0C-8AB1-497211D749B5}"/>
               </a:ext>
             </a:extLst>
           </p:cNvPr>
@@ -2473,7 +2473,7 @@
           <p:cNvPr id="3" name="Content Placeholder 2">
             <a:extLst>
               <a:ext uri="{FF2B5EF4-FFF2-40B4-BE49-F238E27FC236}">
-                <a16:creationId xmlns:a16="http://schemas.microsoft.com/office/drawing/2014/main" id="{A2320570-18DC-4052-9A01-691D5B87C35D}"/>
+                <a16:creationId xmlns:a16="http://schemas.microsoft.com/office/drawing/2014/main" xmlns="" id="{A2320570-18DC-4052-9A01-691D5B87C35D}"/>
               </a:ext>
             </a:extLst>
           </p:cNvPr>
@@ -2563,7 +2563,7 @@
           <p:cNvPr id="4" name="Text Placeholder 3">
             <a:extLst>
               <a:ext uri="{FF2B5EF4-FFF2-40B4-BE49-F238E27FC236}">
-                <a16:creationId xmlns:a16="http://schemas.microsoft.com/office/drawing/2014/main" id="{4160542A-559F-4E47-BF7E-3AB60484D792}"/>
+                <a16:creationId xmlns:a16="http://schemas.microsoft.com/office/drawing/2014/main" xmlns="" id="{4160542A-559F-4E47-BF7E-3AB60484D792}"/>
               </a:ext>
             </a:extLst>
           </p:cNvPr>
@@ -2634,7 +2634,7 @@
           <p:cNvPr id="8" name="Date Placeholder 3">
             <a:extLst>
               <a:ext uri="{FF2B5EF4-FFF2-40B4-BE49-F238E27FC236}">
-                <a16:creationId xmlns:a16="http://schemas.microsoft.com/office/drawing/2014/main" id="{933A9DD7-A9DF-4B2C-B8F6-7C8338ADC4D5}"/>
+                <a16:creationId xmlns:a16="http://schemas.microsoft.com/office/drawing/2014/main" xmlns="" id="{933A9DD7-A9DF-4B2C-B8F6-7C8338ADC4D5}"/>
               </a:ext>
             </a:extLst>
           </p:cNvPr>
@@ -2668,7 +2668,7 @@
           <p:cNvPr id="9" name="Footer Placeholder 4">
             <a:extLst>
               <a:ext uri="{FF2B5EF4-FFF2-40B4-BE49-F238E27FC236}">
-                <a16:creationId xmlns:a16="http://schemas.microsoft.com/office/drawing/2014/main" id="{6B1883CE-F6C2-4ED7-A3DD-13919B3B755E}"/>
+                <a16:creationId xmlns:a16="http://schemas.microsoft.com/office/drawing/2014/main" xmlns="" id="{6B1883CE-F6C2-4ED7-A3DD-13919B3B755E}"/>
               </a:ext>
             </a:extLst>
           </p:cNvPr>
@@ -2705,7 +2705,7 @@
           <p:cNvPr id="10" name="Slide Number Placeholder 5">
             <a:extLst>
               <a:ext uri="{FF2B5EF4-FFF2-40B4-BE49-F238E27FC236}">
-                <a16:creationId xmlns:a16="http://schemas.microsoft.com/office/drawing/2014/main" id="{69138901-45F1-4CDA-8808-2E58A3EB9AE7}"/>
+                <a16:creationId xmlns:a16="http://schemas.microsoft.com/office/drawing/2014/main" xmlns="" id="{69138901-45F1-4CDA-8808-2E58A3EB9AE7}"/>
               </a:ext>
             </a:extLst>
           </p:cNvPr>
@@ -2776,7 +2776,7 @@
           <p:cNvPr id="2" name="Title 1">
             <a:extLst>
               <a:ext uri="{FF2B5EF4-FFF2-40B4-BE49-F238E27FC236}">
-                <a16:creationId xmlns:a16="http://schemas.microsoft.com/office/drawing/2014/main" id="{C9E66C5F-9F1A-483A-80A6-5B4AFC8F5E0E}"/>
+                <a16:creationId xmlns:a16="http://schemas.microsoft.com/office/drawing/2014/main" xmlns="" id="{C9E66C5F-9F1A-483A-80A6-5B4AFC8F5E0E}"/>
               </a:ext>
             </a:extLst>
           </p:cNvPr>
@@ -2813,7 +2813,7 @@
           <p:cNvPr id="3" name="Picture Placeholder 2">
             <a:extLst>
               <a:ext uri="{FF2B5EF4-FFF2-40B4-BE49-F238E27FC236}">
-                <a16:creationId xmlns:a16="http://schemas.microsoft.com/office/drawing/2014/main" id="{B1ADFC21-E063-4D70-8B1B-7CF1D78AB18C}"/>
+                <a16:creationId xmlns:a16="http://schemas.microsoft.com/office/drawing/2014/main" xmlns="" id="{B1ADFC21-E063-4D70-8B1B-7CF1D78AB18C}"/>
               </a:ext>
             </a:extLst>
           </p:cNvPr>
@@ -2880,7 +2880,7 @@
           <p:cNvPr id="4" name="Text Placeholder 3">
             <a:extLst>
               <a:ext uri="{FF2B5EF4-FFF2-40B4-BE49-F238E27FC236}">
-                <a16:creationId xmlns:a16="http://schemas.microsoft.com/office/drawing/2014/main" id="{A04D0ECF-40DD-4A75-B8EB-83D9B96A3861}"/>
+                <a16:creationId xmlns:a16="http://schemas.microsoft.com/office/drawing/2014/main" xmlns="" id="{A04D0ECF-40DD-4A75-B8EB-83D9B96A3861}"/>
               </a:ext>
             </a:extLst>
           </p:cNvPr>
@@ -2951,7 +2951,7 @@
           <p:cNvPr id="11" name="Date Placeholder 3">
             <a:extLst>
               <a:ext uri="{FF2B5EF4-FFF2-40B4-BE49-F238E27FC236}">
-                <a16:creationId xmlns:a16="http://schemas.microsoft.com/office/drawing/2014/main" id="{AC183A28-3B53-47F5-B8C6-E97B0A3CF34A}"/>
+                <a16:creationId xmlns:a16="http://schemas.microsoft.com/office/drawing/2014/main" xmlns="" id="{AC183A28-3B53-47F5-B8C6-E97B0A3CF34A}"/>
               </a:ext>
             </a:extLst>
           </p:cNvPr>
@@ -2985,7 +2985,7 @@
           <p:cNvPr id="12" name="Footer Placeholder 4">
             <a:extLst>
               <a:ext uri="{FF2B5EF4-FFF2-40B4-BE49-F238E27FC236}">
-                <a16:creationId xmlns:a16="http://schemas.microsoft.com/office/drawing/2014/main" id="{81E6CAB1-2225-4B69-800D-591EAFFA7182}"/>
+                <a16:creationId xmlns:a16="http://schemas.microsoft.com/office/drawing/2014/main" xmlns="" id="{81E6CAB1-2225-4B69-800D-591EAFFA7182}"/>
               </a:ext>
             </a:extLst>
           </p:cNvPr>
@@ -3022,7 +3022,7 @@
           <p:cNvPr id="13" name="Slide Number Placeholder 5">
             <a:extLst>
               <a:ext uri="{FF2B5EF4-FFF2-40B4-BE49-F238E27FC236}">
-                <a16:creationId xmlns:a16="http://schemas.microsoft.com/office/drawing/2014/main" id="{61593C2E-41E5-47A4-8A72-11E11AE615E9}"/>
+                <a16:creationId xmlns:a16="http://schemas.microsoft.com/office/drawing/2014/main" xmlns="" id="{61593C2E-41E5-47A4-8A72-11E11AE615E9}"/>
               </a:ext>
             </a:extLst>
           </p:cNvPr>
@@ -3093,7 +3093,7 @@
           <p:cNvPr id="2" name="Title 1">
             <a:extLst>
               <a:ext uri="{FF2B5EF4-FFF2-40B4-BE49-F238E27FC236}">
-                <a16:creationId xmlns:a16="http://schemas.microsoft.com/office/drawing/2014/main" id="{955ABC75-2FFC-4C6E-92C0-55EAF61324AE}"/>
+                <a16:creationId xmlns:a16="http://schemas.microsoft.com/office/drawing/2014/main" xmlns="" id="{955ABC75-2FFC-4C6E-92C0-55EAF61324AE}"/>
               </a:ext>
             </a:extLst>
           </p:cNvPr>
@@ -3121,7 +3121,7 @@
           <p:cNvPr id="3" name="Vertical Text Placeholder 2">
             <a:extLst>
               <a:ext uri="{FF2B5EF4-FFF2-40B4-BE49-F238E27FC236}">
-                <a16:creationId xmlns:a16="http://schemas.microsoft.com/office/drawing/2014/main" id="{6B4410B8-F575-47E2-AC77-B3464E6D49A1}"/>
+                <a16:creationId xmlns:a16="http://schemas.microsoft.com/office/drawing/2014/main" xmlns="" id="{6B4410B8-F575-47E2-AC77-B3464E6D49A1}"/>
               </a:ext>
             </a:extLst>
           </p:cNvPr>
@@ -3178,7 +3178,7 @@
           <p:cNvPr id="7" name="Date Placeholder 3">
             <a:extLst>
               <a:ext uri="{FF2B5EF4-FFF2-40B4-BE49-F238E27FC236}">
-                <a16:creationId xmlns:a16="http://schemas.microsoft.com/office/drawing/2014/main" id="{94A6D7CA-5333-4EE7-88DE-8208269F4BC2}"/>
+                <a16:creationId xmlns:a16="http://schemas.microsoft.com/office/drawing/2014/main" xmlns="" id="{94A6D7CA-5333-4EE7-88DE-8208269F4BC2}"/>
               </a:ext>
             </a:extLst>
           </p:cNvPr>
@@ -3212,7 +3212,7 @@
           <p:cNvPr id="8" name="Footer Placeholder 4">
             <a:extLst>
               <a:ext uri="{FF2B5EF4-FFF2-40B4-BE49-F238E27FC236}">
-                <a16:creationId xmlns:a16="http://schemas.microsoft.com/office/drawing/2014/main" id="{BDB5B0F4-4366-4DC1-B1B6-F78F25E76DF4}"/>
+                <a16:creationId xmlns:a16="http://schemas.microsoft.com/office/drawing/2014/main" xmlns="" id="{BDB5B0F4-4366-4DC1-B1B6-F78F25E76DF4}"/>
               </a:ext>
             </a:extLst>
           </p:cNvPr>
@@ -3249,7 +3249,7 @@
           <p:cNvPr id="9" name="Slide Number Placeholder 5">
             <a:extLst>
               <a:ext uri="{FF2B5EF4-FFF2-40B4-BE49-F238E27FC236}">
-                <a16:creationId xmlns:a16="http://schemas.microsoft.com/office/drawing/2014/main" id="{EBA1974F-B1DD-4E03-942D-7243002F627C}"/>
+                <a16:creationId xmlns:a16="http://schemas.microsoft.com/office/drawing/2014/main" xmlns="" id="{EBA1974F-B1DD-4E03-942D-7243002F627C}"/>
               </a:ext>
             </a:extLst>
           </p:cNvPr>
@@ -3320,7 +3320,7 @@
           <p:cNvPr id="2" name="Vertical Title 1">
             <a:extLst>
               <a:ext uri="{FF2B5EF4-FFF2-40B4-BE49-F238E27FC236}">
-                <a16:creationId xmlns:a16="http://schemas.microsoft.com/office/drawing/2014/main" id="{221D2CF8-5DFE-4360-9EB5-67AAF520B5DA}"/>
+                <a16:creationId xmlns:a16="http://schemas.microsoft.com/office/drawing/2014/main" xmlns="" id="{221D2CF8-5DFE-4360-9EB5-67AAF520B5DA}"/>
               </a:ext>
             </a:extLst>
           </p:cNvPr>
@@ -3353,7 +3353,7 @@
           <p:cNvPr id="3" name="Vertical Text Placeholder 2">
             <a:extLst>
               <a:ext uri="{FF2B5EF4-FFF2-40B4-BE49-F238E27FC236}">
-                <a16:creationId xmlns:a16="http://schemas.microsoft.com/office/drawing/2014/main" id="{171BA87C-545C-4EDF-9D1F-52101AF8BDA6}"/>
+                <a16:creationId xmlns:a16="http://schemas.microsoft.com/office/drawing/2014/main" xmlns="" id="{171BA87C-545C-4EDF-9D1F-52101AF8BDA6}"/>
               </a:ext>
             </a:extLst>
           </p:cNvPr>
@@ -3415,7 +3415,7 @@
           <p:cNvPr id="7" name="Date Placeholder 3">
             <a:extLst>
               <a:ext uri="{FF2B5EF4-FFF2-40B4-BE49-F238E27FC236}">
-                <a16:creationId xmlns:a16="http://schemas.microsoft.com/office/drawing/2014/main" id="{83149BFA-8997-4923-A709-5925239239CA}"/>
+                <a16:creationId xmlns:a16="http://schemas.microsoft.com/office/drawing/2014/main" xmlns="" id="{83149BFA-8997-4923-A709-5925239239CA}"/>
               </a:ext>
             </a:extLst>
           </p:cNvPr>
@@ -3449,7 +3449,7 @@
           <p:cNvPr id="8" name="Footer Placeholder 4">
             <a:extLst>
               <a:ext uri="{FF2B5EF4-FFF2-40B4-BE49-F238E27FC236}">
-                <a16:creationId xmlns:a16="http://schemas.microsoft.com/office/drawing/2014/main" id="{2D52B33D-92F9-425B-8C31-4475C770146D}"/>
+                <a16:creationId xmlns:a16="http://schemas.microsoft.com/office/drawing/2014/main" xmlns="" id="{2D52B33D-92F9-425B-8C31-4475C770146D}"/>
               </a:ext>
             </a:extLst>
           </p:cNvPr>
@@ -3486,7 +3486,7 @@
           <p:cNvPr id="9" name="Slide Number Placeholder 5">
             <a:extLst>
               <a:ext uri="{FF2B5EF4-FFF2-40B4-BE49-F238E27FC236}">
-                <a16:creationId xmlns:a16="http://schemas.microsoft.com/office/drawing/2014/main" id="{3481B167-8E4C-4DBA-A625-4BB044F95B64}"/>
+                <a16:creationId xmlns:a16="http://schemas.microsoft.com/office/drawing/2014/main" xmlns="" id="{3481B167-8E4C-4DBA-A625-4BB044F95B64}"/>
               </a:ext>
             </a:extLst>
           </p:cNvPr>
@@ -3576,7 +3576,7 @@
           <p:cNvPr id="2" name="Date Placeholder 3">
             <a:extLst>
               <a:ext uri="{FF2B5EF4-FFF2-40B4-BE49-F238E27FC236}">
-                <a16:creationId xmlns:a16="http://schemas.microsoft.com/office/drawing/2014/main" id="{5E01CF0F-5796-493C-9C8E-FD1108AB7A2F}"/>
+                <a16:creationId xmlns:a16="http://schemas.microsoft.com/office/drawing/2014/main" xmlns="" id="{5E01CF0F-5796-493C-9C8E-FD1108AB7A2F}"/>
               </a:ext>
             </a:extLst>
           </p:cNvPr>
@@ -3610,7 +3610,7 @@
           <p:cNvPr id="3" name="Footer Placeholder 4">
             <a:extLst>
               <a:ext uri="{FF2B5EF4-FFF2-40B4-BE49-F238E27FC236}">
-                <a16:creationId xmlns:a16="http://schemas.microsoft.com/office/drawing/2014/main" id="{63380C84-30BF-49B7-8352-C48436403675}"/>
+                <a16:creationId xmlns:a16="http://schemas.microsoft.com/office/drawing/2014/main" xmlns="" id="{63380C84-30BF-49B7-8352-C48436403675}"/>
               </a:ext>
             </a:extLst>
           </p:cNvPr>
@@ -3647,7 +3647,7 @@
           <p:cNvPr id="4" name="Slide Number Placeholder 5">
             <a:extLst>
               <a:ext uri="{FF2B5EF4-FFF2-40B4-BE49-F238E27FC236}">
-                <a16:creationId xmlns:a16="http://schemas.microsoft.com/office/drawing/2014/main" id="{2F6F9007-D871-4D4B-8DA5-F2A3ED5739CE}"/>
+                <a16:creationId xmlns:a16="http://schemas.microsoft.com/office/drawing/2014/main" xmlns="" id="{2F6F9007-D871-4D4B-8DA5-F2A3ED5739CE}"/>
               </a:ext>
             </a:extLst>
           </p:cNvPr>
@@ -3718,7 +3718,7 @@
           <p:cNvPr id="7" name="图片 6">
             <a:extLst>
               <a:ext uri="{FF2B5EF4-FFF2-40B4-BE49-F238E27FC236}">
-                <a16:creationId xmlns:a16="http://schemas.microsoft.com/office/drawing/2014/main" id="{9AFE223E-CA87-44E0-A568-66B3EFAB8058}"/>
+                <a16:creationId xmlns:a16="http://schemas.microsoft.com/office/drawing/2014/main" xmlns="" id="{9AFE223E-CA87-44E0-A568-66B3EFAB8058}"/>
               </a:ext>
             </a:extLst>
           </p:cNvPr>
@@ -3754,7 +3754,7 @@
           <p:cNvPr id="6" name="图片 5">
             <a:extLst>
               <a:ext uri="{FF2B5EF4-FFF2-40B4-BE49-F238E27FC236}">
-                <a16:creationId xmlns:a16="http://schemas.microsoft.com/office/drawing/2014/main" id="{7C373D75-7E80-4973-A559-D66271B4131A}"/>
+                <a16:creationId xmlns:a16="http://schemas.microsoft.com/office/drawing/2014/main" xmlns="" id="{7C373D75-7E80-4973-A559-D66271B4131A}"/>
               </a:ext>
             </a:extLst>
           </p:cNvPr>
@@ -3790,7 +3790,7 @@
           <p:cNvPr id="8" name="矩形 7">
             <a:extLst>
               <a:ext uri="{FF2B5EF4-FFF2-40B4-BE49-F238E27FC236}">
-                <a16:creationId xmlns:a16="http://schemas.microsoft.com/office/drawing/2014/main" id="{3CFFAFFD-02B5-4BD2-8283-D15D3F0CF188}"/>
+                <a16:creationId xmlns:a16="http://schemas.microsoft.com/office/drawing/2014/main" xmlns="" id="{3CFFAFFD-02B5-4BD2-8283-D15D3F0CF188}"/>
               </a:ext>
             </a:extLst>
           </p:cNvPr>
@@ -4019,7 +4019,7 @@
           <p:cNvPr id="5" name="Date Placeholder 3">
             <a:extLst>
               <a:ext uri="{FF2B5EF4-FFF2-40B4-BE49-F238E27FC236}">
-                <a16:creationId xmlns:a16="http://schemas.microsoft.com/office/drawing/2014/main" id="{4CA4EAA3-71FA-4620-9ED8-0DA60054E759}"/>
+                <a16:creationId xmlns:a16="http://schemas.microsoft.com/office/drawing/2014/main" xmlns="" id="{4CA4EAA3-71FA-4620-9ED8-0DA60054E759}"/>
               </a:ext>
             </a:extLst>
           </p:cNvPr>
@@ -4053,7 +4053,7 @@
           <p:cNvPr id="6" name="Footer Placeholder 4">
             <a:extLst>
               <a:ext uri="{FF2B5EF4-FFF2-40B4-BE49-F238E27FC236}">
-                <a16:creationId xmlns:a16="http://schemas.microsoft.com/office/drawing/2014/main" id="{382AF62B-08D4-4CE6-BD8F-26506E899EB0}"/>
+                <a16:creationId xmlns:a16="http://schemas.microsoft.com/office/drawing/2014/main" xmlns="" id="{382AF62B-08D4-4CE6-BD8F-26506E899EB0}"/>
               </a:ext>
             </a:extLst>
           </p:cNvPr>
@@ -4090,7 +4090,7 @@
           <p:cNvPr id="7" name="Slide Number Placeholder 5">
             <a:extLst>
               <a:ext uri="{FF2B5EF4-FFF2-40B4-BE49-F238E27FC236}">
-                <a16:creationId xmlns:a16="http://schemas.microsoft.com/office/drawing/2014/main" id="{FB15726C-89EB-47BA-8BBE-867907E2A70F}"/>
+                <a16:creationId xmlns:a16="http://schemas.microsoft.com/office/drawing/2014/main" xmlns="" id="{FB15726C-89EB-47BA-8BBE-867907E2A70F}"/>
               </a:ext>
             </a:extLst>
           </p:cNvPr>
@@ -4217,7 +4217,7 @@
           <p:cNvPr id="2" name="Title 1">
             <a:extLst>
               <a:ext uri="{FF2B5EF4-FFF2-40B4-BE49-F238E27FC236}">
-                <a16:creationId xmlns:a16="http://schemas.microsoft.com/office/drawing/2014/main" id="{323AFB6B-627D-4432-8D4C-C290244ACAD1}"/>
+                <a16:creationId xmlns:a16="http://schemas.microsoft.com/office/drawing/2014/main" xmlns="" id="{323AFB6B-627D-4432-8D4C-C290244ACAD1}"/>
               </a:ext>
             </a:extLst>
           </p:cNvPr>
@@ -4254,7 +4254,7 @@
           <p:cNvPr id="3" name="Subtitle 2">
             <a:extLst>
               <a:ext uri="{FF2B5EF4-FFF2-40B4-BE49-F238E27FC236}">
-                <a16:creationId xmlns:a16="http://schemas.microsoft.com/office/drawing/2014/main" id="{2AD658CB-0C34-4E16-90EE-C00AFE6155D6}"/>
+                <a16:creationId xmlns:a16="http://schemas.microsoft.com/office/drawing/2014/main" xmlns="" id="{2AD658CB-0C34-4E16-90EE-C00AFE6155D6}"/>
               </a:ext>
             </a:extLst>
           </p:cNvPr>
@@ -4324,7 +4324,7 @@
           <p:cNvPr id="4" name="Date Placeholder 3">
             <a:extLst>
               <a:ext uri="{FF2B5EF4-FFF2-40B4-BE49-F238E27FC236}">
-                <a16:creationId xmlns:a16="http://schemas.microsoft.com/office/drawing/2014/main" id="{535B004B-2722-426C-BF26-F1937E59D589}"/>
+                <a16:creationId xmlns:a16="http://schemas.microsoft.com/office/drawing/2014/main" xmlns="" id="{535B004B-2722-426C-BF26-F1937E59D589}"/>
               </a:ext>
             </a:extLst>
           </p:cNvPr>
@@ -4360,7 +4360,7 @@
           <p:cNvPr id="5" name="Footer Placeholder 4">
             <a:extLst>
               <a:ext uri="{FF2B5EF4-FFF2-40B4-BE49-F238E27FC236}">
-                <a16:creationId xmlns:a16="http://schemas.microsoft.com/office/drawing/2014/main" id="{06388160-B83D-45FA-A437-1614F0E8B250}"/>
+                <a16:creationId xmlns:a16="http://schemas.microsoft.com/office/drawing/2014/main" xmlns="" id="{06388160-B83D-45FA-A437-1614F0E8B250}"/>
               </a:ext>
             </a:extLst>
           </p:cNvPr>
@@ -4397,7 +4397,7 @@
           <p:cNvPr id="6" name="Slide Number Placeholder 5">
             <a:extLst>
               <a:ext uri="{FF2B5EF4-FFF2-40B4-BE49-F238E27FC236}">
-                <a16:creationId xmlns:a16="http://schemas.microsoft.com/office/drawing/2014/main" id="{F25F7F1B-0F2F-4E3A-A413-3E9C7005C727}"/>
+                <a16:creationId xmlns:a16="http://schemas.microsoft.com/office/drawing/2014/main" xmlns="" id="{F25F7F1B-0F2F-4E3A-A413-3E9C7005C727}"/>
               </a:ext>
             </a:extLst>
           </p:cNvPr>
@@ -4463,7 +4463,7 @@
           <p:cNvPr id="2" name="Title 1">
             <a:extLst>
               <a:ext uri="{FF2B5EF4-FFF2-40B4-BE49-F238E27FC236}">
-                <a16:creationId xmlns:a16="http://schemas.microsoft.com/office/drawing/2014/main" id="{85CD0099-E77F-4BEE-900C-5DE69E0EC0C9}"/>
+                <a16:creationId xmlns:a16="http://schemas.microsoft.com/office/drawing/2014/main" xmlns="" id="{85CD0099-E77F-4BEE-900C-5DE69E0EC0C9}"/>
               </a:ext>
             </a:extLst>
           </p:cNvPr>
@@ -4491,7 +4491,7 @@
           <p:cNvPr id="3" name="Content Placeholder 2">
             <a:extLst>
               <a:ext uri="{FF2B5EF4-FFF2-40B4-BE49-F238E27FC236}">
-                <a16:creationId xmlns:a16="http://schemas.microsoft.com/office/drawing/2014/main" id="{5F693940-70D0-41A6-A85D-CF1825086B19}"/>
+                <a16:creationId xmlns:a16="http://schemas.microsoft.com/office/drawing/2014/main" xmlns="" id="{5F693940-70D0-41A6-A85D-CF1825086B19}"/>
               </a:ext>
             </a:extLst>
           </p:cNvPr>
@@ -4548,7 +4548,7 @@
           <p:cNvPr id="4" name="Date Placeholder 3">
             <a:extLst>
               <a:ext uri="{FF2B5EF4-FFF2-40B4-BE49-F238E27FC236}">
-                <a16:creationId xmlns:a16="http://schemas.microsoft.com/office/drawing/2014/main" id="{E88CF6A8-D0D8-4793-8DB6-F65233E7C1B3}"/>
+                <a16:creationId xmlns:a16="http://schemas.microsoft.com/office/drawing/2014/main" xmlns="" id="{E88CF6A8-D0D8-4793-8DB6-F65233E7C1B3}"/>
               </a:ext>
             </a:extLst>
           </p:cNvPr>
@@ -4584,7 +4584,7 @@
           <p:cNvPr id="5" name="Footer Placeholder 4">
             <a:extLst>
               <a:ext uri="{FF2B5EF4-FFF2-40B4-BE49-F238E27FC236}">
-                <a16:creationId xmlns:a16="http://schemas.microsoft.com/office/drawing/2014/main" id="{1E429319-294C-4606-8E25-BF38829991EA}"/>
+                <a16:creationId xmlns:a16="http://schemas.microsoft.com/office/drawing/2014/main" xmlns="" id="{1E429319-294C-4606-8E25-BF38829991EA}"/>
               </a:ext>
             </a:extLst>
           </p:cNvPr>
@@ -4621,7 +4621,7 @@
           <p:cNvPr id="6" name="Slide Number Placeholder 5">
             <a:extLst>
               <a:ext uri="{FF2B5EF4-FFF2-40B4-BE49-F238E27FC236}">
-                <a16:creationId xmlns:a16="http://schemas.microsoft.com/office/drawing/2014/main" id="{910C303A-86BC-4D4D-BFA6-A2E5D8E258EF}"/>
+                <a16:creationId xmlns:a16="http://schemas.microsoft.com/office/drawing/2014/main" xmlns="" id="{910C303A-86BC-4D4D-BFA6-A2E5D8E258EF}"/>
               </a:ext>
             </a:extLst>
           </p:cNvPr>
@@ -4815,7 +4815,7 @@
           <p:cNvPr id="2" name="Title 1">
             <a:extLst>
               <a:ext uri="{FF2B5EF4-FFF2-40B4-BE49-F238E27FC236}">
-                <a16:creationId xmlns:a16="http://schemas.microsoft.com/office/drawing/2014/main" id="{65D43AC7-300F-47BC-A813-E6DF6B1375DB}"/>
+                <a16:creationId xmlns:a16="http://schemas.microsoft.com/office/drawing/2014/main" xmlns="" id="{65D43AC7-300F-47BC-A813-E6DF6B1375DB}"/>
               </a:ext>
             </a:extLst>
           </p:cNvPr>
@@ -4852,7 +4852,7 @@
           <p:cNvPr id="3" name="Text Placeholder 2">
             <a:extLst>
               <a:ext uri="{FF2B5EF4-FFF2-40B4-BE49-F238E27FC236}">
-                <a16:creationId xmlns:a16="http://schemas.microsoft.com/office/drawing/2014/main" id="{380F173C-818E-4BD3-BE0A-90D6CCD4A902}"/>
+                <a16:creationId xmlns:a16="http://schemas.microsoft.com/office/drawing/2014/main" xmlns="" id="{380F173C-818E-4BD3-BE0A-90D6CCD4A902}"/>
               </a:ext>
             </a:extLst>
           </p:cNvPr>
@@ -4977,7 +4977,7 @@
           <p:cNvPr id="4" name="Date Placeholder 3">
             <a:extLst>
               <a:ext uri="{FF2B5EF4-FFF2-40B4-BE49-F238E27FC236}">
-                <a16:creationId xmlns:a16="http://schemas.microsoft.com/office/drawing/2014/main" id="{7830673D-3FC4-49DC-BB99-0BB2FB6F88AC}"/>
+                <a16:creationId xmlns:a16="http://schemas.microsoft.com/office/drawing/2014/main" xmlns="" id="{7830673D-3FC4-49DC-BB99-0BB2FB6F88AC}"/>
               </a:ext>
             </a:extLst>
           </p:cNvPr>
@@ -5013,7 +5013,7 @@
           <p:cNvPr id="5" name="Footer Placeholder 4">
             <a:extLst>
               <a:ext uri="{FF2B5EF4-FFF2-40B4-BE49-F238E27FC236}">
-                <a16:creationId xmlns:a16="http://schemas.microsoft.com/office/drawing/2014/main" id="{31E3B920-A183-44F9-866E-0F7796344F86}"/>
+                <a16:creationId xmlns:a16="http://schemas.microsoft.com/office/drawing/2014/main" xmlns="" id="{31E3B920-A183-44F9-866E-0F7796344F86}"/>
               </a:ext>
             </a:extLst>
           </p:cNvPr>
@@ -5050,7 +5050,7 @@
           <p:cNvPr id="6" name="Slide Number Placeholder 5">
             <a:extLst>
               <a:ext uri="{FF2B5EF4-FFF2-40B4-BE49-F238E27FC236}">
-                <a16:creationId xmlns:a16="http://schemas.microsoft.com/office/drawing/2014/main" id="{6DF99F8E-C265-47BE-850A-133C799BA554}"/>
+                <a16:creationId xmlns:a16="http://schemas.microsoft.com/office/drawing/2014/main" xmlns="" id="{6DF99F8E-C265-47BE-850A-133C799BA554}"/>
               </a:ext>
             </a:extLst>
           </p:cNvPr>
@@ -5109,7 +5109,7 @@
           <p:cNvPr id="2" name="Title 1">
             <a:extLst>
               <a:ext uri="{FF2B5EF4-FFF2-40B4-BE49-F238E27FC236}">
-                <a16:creationId xmlns:a16="http://schemas.microsoft.com/office/drawing/2014/main" id="{DDD7FC08-6E1B-4852-A622-45CAD4EF6E15}"/>
+                <a16:creationId xmlns:a16="http://schemas.microsoft.com/office/drawing/2014/main" xmlns="" id="{DDD7FC08-6E1B-4852-A622-45CAD4EF6E15}"/>
               </a:ext>
             </a:extLst>
           </p:cNvPr>
@@ -5137,7 +5137,7 @@
           <p:cNvPr id="3" name="Content Placeholder 2">
             <a:extLst>
               <a:ext uri="{FF2B5EF4-FFF2-40B4-BE49-F238E27FC236}">
-                <a16:creationId xmlns:a16="http://schemas.microsoft.com/office/drawing/2014/main" id="{51B47810-9666-4A5F-84FC-3B2332FFB6BC}"/>
+                <a16:creationId xmlns:a16="http://schemas.microsoft.com/office/drawing/2014/main" xmlns="" id="{51B47810-9666-4A5F-84FC-3B2332FFB6BC}"/>
               </a:ext>
             </a:extLst>
           </p:cNvPr>
@@ -5199,7 +5199,7 @@
           <p:cNvPr id="4" name="Content Placeholder 3">
             <a:extLst>
               <a:ext uri="{FF2B5EF4-FFF2-40B4-BE49-F238E27FC236}">
-                <a16:creationId xmlns:a16="http://schemas.microsoft.com/office/drawing/2014/main" id="{621E1096-4A80-4C09-A513-9952D63BC6DA}"/>
+                <a16:creationId xmlns:a16="http://schemas.microsoft.com/office/drawing/2014/main" xmlns="" id="{621E1096-4A80-4C09-A513-9952D63BC6DA}"/>
               </a:ext>
             </a:extLst>
           </p:cNvPr>
@@ -5261,7 +5261,7 @@
           <p:cNvPr id="5" name="Date Placeholder 4">
             <a:extLst>
               <a:ext uri="{FF2B5EF4-FFF2-40B4-BE49-F238E27FC236}">
-                <a16:creationId xmlns:a16="http://schemas.microsoft.com/office/drawing/2014/main" id="{F3445227-6E2E-4CE6-AF94-4F41CB757148}"/>
+                <a16:creationId xmlns:a16="http://schemas.microsoft.com/office/drawing/2014/main" xmlns="" id="{F3445227-6E2E-4CE6-AF94-4F41CB757148}"/>
               </a:ext>
             </a:extLst>
           </p:cNvPr>
@@ -5297,7 +5297,7 @@
           <p:cNvPr id="6" name="Footer Placeholder 5">
             <a:extLst>
               <a:ext uri="{FF2B5EF4-FFF2-40B4-BE49-F238E27FC236}">
-                <a16:creationId xmlns:a16="http://schemas.microsoft.com/office/drawing/2014/main" id="{1F88666F-F70A-4BB3-9E79-BDDC589D1F4E}"/>
+                <a16:creationId xmlns:a16="http://schemas.microsoft.com/office/drawing/2014/main" xmlns="" id="{1F88666F-F70A-4BB3-9E79-BDDC589D1F4E}"/>
               </a:ext>
             </a:extLst>
           </p:cNvPr>
@@ -5334,7 +5334,7 @@
           <p:cNvPr id="7" name="Slide Number Placeholder 6">
             <a:extLst>
               <a:ext uri="{FF2B5EF4-FFF2-40B4-BE49-F238E27FC236}">
-                <a16:creationId xmlns:a16="http://schemas.microsoft.com/office/drawing/2014/main" id="{B0F24C42-A6F2-47A1-9141-EABE3D8F7ADB}"/>
+                <a16:creationId xmlns:a16="http://schemas.microsoft.com/office/drawing/2014/main" xmlns="" id="{B0F24C42-A6F2-47A1-9141-EABE3D8F7ADB}"/>
               </a:ext>
             </a:extLst>
           </p:cNvPr>
@@ -5393,7 +5393,7 @@
           <p:cNvPr id="2" name="Title 1">
             <a:extLst>
               <a:ext uri="{FF2B5EF4-FFF2-40B4-BE49-F238E27FC236}">
-                <a16:creationId xmlns:a16="http://schemas.microsoft.com/office/drawing/2014/main" id="{A651C414-3D43-4EF4-ABBB-845031E65A61}"/>
+                <a16:creationId xmlns:a16="http://schemas.microsoft.com/office/drawing/2014/main" xmlns="" id="{A651C414-3D43-4EF4-ABBB-845031E65A61}"/>
               </a:ext>
             </a:extLst>
           </p:cNvPr>
@@ -5426,7 +5426,7 @@
           <p:cNvPr id="3" name="Text Placeholder 2">
             <a:extLst>
               <a:ext uri="{FF2B5EF4-FFF2-40B4-BE49-F238E27FC236}">
-                <a16:creationId xmlns:a16="http://schemas.microsoft.com/office/drawing/2014/main" id="{4A2B89F1-0B29-4A59-994C-5D8E80599DE7}"/>
+                <a16:creationId xmlns:a16="http://schemas.microsoft.com/office/drawing/2014/main" xmlns="" id="{4A2B89F1-0B29-4A59-994C-5D8E80599DE7}"/>
               </a:ext>
             </a:extLst>
           </p:cNvPr>
@@ -5497,7 +5497,7 @@
           <p:cNvPr id="4" name="Content Placeholder 3">
             <a:extLst>
               <a:ext uri="{FF2B5EF4-FFF2-40B4-BE49-F238E27FC236}">
-                <a16:creationId xmlns:a16="http://schemas.microsoft.com/office/drawing/2014/main" id="{A011FC92-166F-4C60-AD53-5C13419CDF69}"/>
+                <a16:creationId xmlns:a16="http://schemas.microsoft.com/office/drawing/2014/main" xmlns="" id="{A011FC92-166F-4C60-AD53-5C13419CDF69}"/>
               </a:ext>
             </a:extLst>
           </p:cNvPr>
@@ -5559,7 +5559,7 @@
           <p:cNvPr id="5" name="Text Placeholder 4">
             <a:extLst>
               <a:ext uri="{FF2B5EF4-FFF2-40B4-BE49-F238E27FC236}">
-                <a16:creationId xmlns:a16="http://schemas.microsoft.com/office/drawing/2014/main" id="{BD743055-4739-4EE0-9BFE-D0BD5FEC3849}"/>
+                <a16:creationId xmlns:a16="http://schemas.microsoft.com/office/drawing/2014/main" xmlns="" id="{BD743055-4739-4EE0-9BFE-D0BD5FEC3849}"/>
               </a:ext>
             </a:extLst>
           </p:cNvPr>
@@ -5630,7 +5630,7 @@
           <p:cNvPr id="6" name="Content Placeholder 5">
             <a:extLst>
               <a:ext uri="{FF2B5EF4-FFF2-40B4-BE49-F238E27FC236}">
-                <a16:creationId xmlns:a16="http://schemas.microsoft.com/office/drawing/2014/main" id="{F71DD209-DB40-4F79-AD2C-D6AA7B0940C2}"/>
+                <a16:creationId xmlns:a16="http://schemas.microsoft.com/office/drawing/2014/main" xmlns="" id="{F71DD209-DB40-4F79-AD2C-D6AA7B0940C2}"/>
               </a:ext>
             </a:extLst>
           </p:cNvPr>
@@ -5692,7 +5692,7 @@
           <p:cNvPr id="7" name="Date Placeholder 6">
             <a:extLst>
               <a:ext uri="{FF2B5EF4-FFF2-40B4-BE49-F238E27FC236}">
-                <a16:creationId xmlns:a16="http://schemas.microsoft.com/office/drawing/2014/main" id="{03F094FB-5184-455E-A188-634F8D4A44B0}"/>
+                <a16:creationId xmlns:a16="http://schemas.microsoft.com/office/drawing/2014/main" xmlns="" id="{03F094FB-5184-455E-A188-634F8D4A44B0}"/>
               </a:ext>
             </a:extLst>
           </p:cNvPr>
@@ -5728,7 +5728,7 @@
           <p:cNvPr id="8" name="Footer Placeholder 7">
             <a:extLst>
               <a:ext uri="{FF2B5EF4-FFF2-40B4-BE49-F238E27FC236}">
-                <a16:creationId xmlns:a16="http://schemas.microsoft.com/office/drawing/2014/main" id="{5347BBA3-3704-4C76-AE2B-C01913193CA8}"/>
+                <a16:creationId xmlns:a16="http://schemas.microsoft.com/office/drawing/2014/main" xmlns="" id="{5347BBA3-3704-4C76-AE2B-C01913193CA8}"/>
               </a:ext>
             </a:extLst>
           </p:cNvPr>
@@ -5765,7 +5765,7 @@
           <p:cNvPr id="9" name="Slide Number Placeholder 8">
             <a:extLst>
               <a:ext uri="{FF2B5EF4-FFF2-40B4-BE49-F238E27FC236}">
-                <a16:creationId xmlns:a16="http://schemas.microsoft.com/office/drawing/2014/main" id="{B9473010-6B00-4DD4-838B-B245EF0771A2}"/>
+                <a16:creationId xmlns:a16="http://schemas.microsoft.com/office/drawing/2014/main" xmlns="" id="{B9473010-6B00-4DD4-838B-B245EF0771A2}"/>
               </a:ext>
             </a:extLst>
           </p:cNvPr>
@@ -5824,7 +5824,7 @@
           <p:cNvPr id="2" name="Title 1">
             <a:extLst>
               <a:ext uri="{FF2B5EF4-FFF2-40B4-BE49-F238E27FC236}">
-                <a16:creationId xmlns:a16="http://schemas.microsoft.com/office/drawing/2014/main" id="{60869812-0794-473A-8B1A-8D6A53A94AC0}"/>
+                <a16:creationId xmlns:a16="http://schemas.microsoft.com/office/drawing/2014/main" xmlns="" id="{60869812-0794-473A-8B1A-8D6A53A94AC0}"/>
               </a:ext>
             </a:extLst>
           </p:cNvPr>
@@ -5852,7 +5852,7 @@
           <p:cNvPr id="3" name="Date Placeholder 2">
             <a:extLst>
               <a:ext uri="{FF2B5EF4-FFF2-40B4-BE49-F238E27FC236}">
-                <a16:creationId xmlns:a16="http://schemas.microsoft.com/office/drawing/2014/main" id="{5CD49B14-8000-4BDB-977D-D48631C93324}"/>
+                <a16:creationId xmlns:a16="http://schemas.microsoft.com/office/drawing/2014/main" xmlns="" id="{5CD49B14-8000-4BDB-977D-D48631C93324}"/>
               </a:ext>
             </a:extLst>
           </p:cNvPr>
@@ -5888,7 +5888,7 @@
           <p:cNvPr id="4" name="Footer Placeholder 3">
             <a:extLst>
               <a:ext uri="{FF2B5EF4-FFF2-40B4-BE49-F238E27FC236}">
-                <a16:creationId xmlns:a16="http://schemas.microsoft.com/office/drawing/2014/main" id="{19FD248F-4314-434E-A740-B62FD4E762F4}"/>
+                <a16:creationId xmlns:a16="http://schemas.microsoft.com/office/drawing/2014/main" xmlns="" id="{19FD248F-4314-434E-A740-B62FD4E762F4}"/>
               </a:ext>
             </a:extLst>
           </p:cNvPr>
@@ -5925,7 +5925,7 @@
           <p:cNvPr id="5" name="Slide Number Placeholder 4">
             <a:extLst>
               <a:ext uri="{FF2B5EF4-FFF2-40B4-BE49-F238E27FC236}">
-                <a16:creationId xmlns:a16="http://schemas.microsoft.com/office/drawing/2014/main" id="{0C8929CF-20EE-41DC-94E2-5C8D04361C6D}"/>
+                <a16:creationId xmlns:a16="http://schemas.microsoft.com/office/drawing/2014/main" xmlns="" id="{0C8929CF-20EE-41DC-94E2-5C8D04361C6D}"/>
               </a:ext>
             </a:extLst>
           </p:cNvPr>
@@ -5984,7 +5984,7 @@
           <p:cNvPr id="2" name="Date Placeholder 1">
             <a:extLst>
               <a:ext uri="{FF2B5EF4-FFF2-40B4-BE49-F238E27FC236}">
-                <a16:creationId xmlns:a16="http://schemas.microsoft.com/office/drawing/2014/main" id="{48F0C077-C53C-4B2A-9CB6-7E6E5B9C1DFB}"/>
+                <a16:creationId xmlns:a16="http://schemas.microsoft.com/office/drawing/2014/main" xmlns="" id="{48F0C077-C53C-4B2A-9CB6-7E6E5B9C1DFB}"/>
               </a:ext>
             </a:extLst>
           </p:cNvPr>
@@ -6020,7 +6020,7 @@
           <p:cNvPr id="3" name="Footer Placeholder 2">
             <a:extLst>
               <a:ext uri="{FF2B5EF4-FFF2-40B4-BE49-F238E27FC236}">
-                <a16:creationId xmlns:a16="http://schemas.microsoft.com/office/drawing/2014/main" id="{7927EC8F-93B9-4B9F-863B-15FF6F710E6F}"/>
+                <a16:creationId xmlns:a16="http://schemas.microsoft.com/office/drawing/2014/main" xmlns="" id="{7927EC8F-93B9-4B9F-863B-15FF6F710E6F}"/>
               </a:ext>
             </a:extLst>
           </p:cNvPr>
@@ -6057,7 +6057,7 @@
           <p:cNvPr id="4" name="Slide Number Placeholder 3">
             <a:extLst>
               <a:ext uri="{FF2B5EF4-FFF2-40B4-BE49-F238E27FC236}">
-                <a16:creationId xmlns:a16="http://schemas.microsoft.com/office/drawing/2014/main" id="{526D62FA-1479-4D66-A183-4E3D4271D167}"/>
+                <a16:creationId xmlns:a16="http://schemas.microsoft.com/office/drawing/2014/main" xmlns="" id="{526D62FA-1479-4D66-A183-4E3D4271D167}"/>
               </a:ext>
             </a:extLst>
           </p:cNvPr>
@@ -6116,7 +6116,7 @@
           <p:cNvPr id="2" name="Title 1">
             <a:extLst>
               <a:ext uri="{FF2B5EF4-FFF2-40B4-BE49-F238E27FC236}">
-                <a16:creationId xmlns:a16="http://schemas.microsoft.com/office/drawing/2014/main" id="{F332C301-BBC1-4FC6-9652-CB2F12A7F850}"/>
+                <a16:creationId xmlns:a16="http://schemas.microsoft.com/office/drawing/2014/main" xmlns="" id="{F332C301-BBC1-4FC6-9652-CB2F12A7F850}"/>
               </a:ext>
             </a:extLst>
           </p:cNvPr>
@@ -6153,7 +6153,7 @@
           <p:cNvPr id="3" name="Content Placeholder 2">
             <a:extLst>
               <a:ext uri="{FF2B5EF4-FFF2-40B4-BE49-F238E27FC236}">
-                <a16:creationId xmlns:a16="http://schemas.microsoft.com/office/drawing/2014/main" id="{CBC52D79-9F9B-43EF-AE38-FA89C69FAA5E}"/>
+                <a16:creationId xmlns:a16="http://schemas.microsoft.com/office/drawing/2014/main" xmlns="" id="{CBC52D79-9F9B-43EF-AE38-FA89C69FAA5E}"/>
               </a:ext>
             </a:extLst>
           </p:cNvPr>
@@ -6243,7 +6243,7 @@
           <p:cNvPr id="4" name="Text Placeholder 3">
             <a:extLst>
               <a:ext uri="{FF2B5EF4-FFF2-40B4-BE49-F238E27FC236}">
-                <a16:creationId xmlns:a16="http://schemas.microsoft.com/office/drawing/2014/main" id="{6D94C7DD-056C-4C57-B31F-09FADDE1EB53}"/>
+                <a16:creationId xmlns:a16="http://schemas.microsoft.com/office/drawing/2014/main" xmlns="" id="{6D94C7DD-056C-4C57-B31F-09FADDE1EB53}"/>
               </a:ext>
             </a:extLst>
           </p:cNvPr>
@@ -6314,7 +6314,7 @@
           <p:cNvPr id="5" name="Date Placeholder 4">
             <a:extLst>
               <a:ext uri="{FF2B5EF4-FFF2-40B4-BE49-F238E27FC236}">
-                <a16:creationId xmlns:a16="http://schemas.microsoft.com/office/drawing/2014/main" id="{EF818701-720F-4B18-B89F-AD4F182C11E7}"/>
+                <a16:creationId xmlns:a16="http://schemas.microsoft.com/office/drawing/2014/main" xmlns="" id="{EF818701-720F-4B18-B89F-AD4F182C11E7}"/>
               </a:ext>
             </a:extLst>
           </p:cNvPr>
@@ -6350,7 +6350,7 @@
           <p:cNvPr id="6" name="Footer Placeholder 5">
             <a:extLst>
               <a:ext uri="{FF2B5EF4-FFF2-40B4-BE49-F238E27FC236}">
-                <a16:creationId xmlns:a16="http://schemas.microsoft.com/office/drawing/2014/main" id="{5E8A24C5-D14D-4BF7-95AC-D34765658A72}"/>
+                <a16:creationId xmlns:a16="http://schemas.microsoft.com/office/drawing/2014/main" xmlns="" id="{5E8A24C5-D14D-4BF7-95AC-D34765658A72}"/>
               </a:ext>
             </a:extLst>
           </p:cNvPr>
@@ -6387,7 +6387,7 @@
           <p:cNvPr id="7" name="Slide Number Placeholder 6">
             <a:extLst>
               <a:ext uri="{FF2B5EF4-FFF2-40B4-BE49-F238E27FC236}">
-                <a16:creationId xmlns:a16="http://schemas.microsoft.com/office/drawing/2014/main" id="{4387A77B-DFBB-4CE0-9752-C724460B632E}"/>
+                <a16:creationId xmlns:a16="http://schemas.microsoft.com/office/drawing/2014/main" xmlns="" id="{4387A77B-DFBB-4CE0-9752-C724460B632E}"/>
               </a:ext>
             </a:extLst>
           </p:cNvPr>
@@ -6446,7 +6446,7 @@
           <p:cNvPr id="2" name="Title 1">
             <a:extLst>
               <a:ext uri="{FF2B5EF4-FFF2-40B4-BE49-F238E27FC236}">
-                <a16:creationId xmlns:a16="http://schemas.microsoft.com/office/drawing/2014/main" id="{F0380025-C3D2-451F-B5A5-E1FD5215D713}"/>
+                <a16:creationId xmlns:a16="http://schemas.microsoft.com/office/drawing/2014/main" xmlns="" id="{F0380025-C3D2-451F-B5A5-E1FD5215D713}"/>
               </a:ext>
             </a:extLst>
           </p:cNvPr>
@@ -6483,7 +6483,7 @@
           <p:cNvPr id="3" name="Picture Placeholder 2">
             <a:extLst>
               <a:ext uri="{FF2B5EF4-FFF2-40B4-BE49-F238E27FC236}">
-                <a16:creationId xmlns:a16="http://schemas.microsoft.com/office/drawing/2014/main" id="{BD447B0E-A009-43A3-BCC8-CAEE1C454FC8}"/>
+                <a16:creationId xmlns:a16="http://schemas.microsoft.com/office/drawing/2014/main" xmlns="" id="{BD447B0E-A009-43A3-BCC8-CAEE1C454FC8}"/>
               </a:ext>
             </a:extLst>
           </p:cNvPr>
@@ -6550,7 +6550,7 @@
           <p:cNvPr id="4" name="Text Placeholder 3">
             <a:extLst>
               <a:ext uri="{FF2B5EF4-FFF2-40B4-BE49-F238E27FC236}">
-                <a16:creationId xmlns:a16="http://schemas.microsoft.com/office/drawing/2014/main" id="{B4BBBAEB-67B9-4ED2-A5D6-FAAD8D3997B0}"/>
+                <a16:creationId xmlns:a16="http://schemas.microsoft.com/office/drawing/2014/main" xmlns="" id="{B4BBBAEB-67B9-4ED2-A5D6-FAAD8D3997B0}"/>
               </a:ext>
             </a:extLst>
           </p:cNvPr>
@@ -6621,7 +6621,7 @@
           <p:cNvPr id="5" name="Date Placeholder 4">
             <a:extLst>
               <a:ext uri="{FF2B5EF4-FFF2-40B4-BE49-F238E27FC236}">
-                <a16:creationId xmlns:a16="http://schemas.microsoft.com/office/drawing/2014/main" id="{E65FAFFC-412D-427D-AFDC-17BB9EBC8CC4}"/>
+                <a16:creationId xmlns:a16="http://schemas.microsoft.com/office/drawing/2014/main" xmlns="" id="{E65FAFFC-412D-427D-AFDC-17BB9EBC8CC4}"/>
               </a:ext>
             </a:extLst>
           </p:cNvPr>
@@ -6657,7 +6657,7 @@
           <p:cNvPr id="6" name="Footer Placeholder 5">
             <a:extLst>
               <a:ext uri="{FF2B5EF4-FFF2-40B4-BE49-F238E27FC236}">
-                <a16:creationId xmlns:a16="http://schemas.microsoft.com/office/drawing/2014/main" id="{E7E8A9F1-A21F-4D5C-9E39-7D50F3465163}"/>
+                <a16:creationId xmlns:a16="http://schemas.microsoft.com/office/drawing/2014/main" xmlns="" id="{E7E8A9F1-A21F-4D5C-9E39-7D50F3465163}"/>
               </a:ext>
             </a:extLst>
           </p:cNvPr>
@@ -6694,7 +6694,7 @@
           <p:cNvPr id="7" name="Slide Number Placeholder 6">
             <a:extLst>
               <a:ext uri="{FF2B5EF4-FFF2-40B4-BE49-F238E27FC236}">
-                <a16:creationId xmlns:a16="http://schemas.microsoft.com/office/drawing/2014/main" id="{4FA8AC04-7CD6-4BE3-91A8-A468CF7A40ED}"/>
+                <a16:creationId xmlns:a16="http://schemas.microsoft.com/office/drawing/2014/main" xmlns="" id="{4FA8AC04-7CD6-4BE3-91A8-A468CF7A40ED}"/>
               </a:ext>
             </a:extLst>
           </p:cNvPr>
@@ -6753,7 +6753,7 @@
           <p:cNvPr id="2" name="Title 1">
             <a:extLst>
               <a:ext uri="{FF2B5EF4-FFF2-40B4-BE49-F238E27FC236}">
-                <a16:creationId xmlns:a16="http://schemas.microsoft.com/office/drawing/2014/main" id="{3623E9E6-4A58-4010-8CF4-E799EB8A407B}"/>
+                <a16:creationId xmlns:a16="http://schemas.microsoft.com/office/drawing/2014/main" xmlns="" id="{3623E9E6-4A58-4010-8CF4-E799EB8A407B}"/>
               </a:ext>
             </a:extLst>
           </p:cNvPr>
@@ -6781,7 +6781,7 @@
           <p:cNvPr id="3" name="Vertical Text Placeholder 2">
             <a:extLst>
               <a:ext uri="{FF2B5EF4-FFF2-40B4-BE49-F238E27FC236}">
-                <a16:creationId xmlns:a16="http://schemas.microsoft.com/office/drawing/2014/main" id="{D4036578-9B09-45AD-9B61-F7ACFC00447A}"/>
+                <a16:creationId xmlns:a16="http://schemas.microsoft.com/office/drawing/2014/main" xmlns="" id="{D4036578-9B09-45AD-9B61-F7ACFC00447A}"/>
               </a:ext>
             </a:extLst>
           </p:cNvPr>
@@ -6838,7 +6838,7 @@
           <p:cNvPr id="4" name="Date Placeholder 3">
             <a:extLst>
               <a:ext uri="{FF2B5EF4-FFF2-40B4-BE49-F238E27FC236}">
-                <a16:creationId xmlns:a16="http://schemas.microsoft.com/office/drawing/2014/main" id="{2D92C9D5-941C-4B2E-9E58-5CCEF1D3DA14}"/>
+                <a16:creationId xmlns:a16="http://schemas.microsoft.com/office/drawing/2014/main" xmlns="" id="{2D92C9D5-941C-4B2E-9E58-5CCEF1D3DA14}"/>
               </a:ext>
             </a:extLst>
           </p:cNvPr>
@@ -6874,7 +6874,7 @@
           <p:cNvPr id="5" name="Footer Placeholder 4">
             <a:extLst>
               <a:ext uri="{FF2B5EF4-FFF2-40B4-BE49-F238E27FC236}">
-                <a16:creationId xmlns:a16="http://schemas.microsoft.com/office/drawing/2014/main" id="{8B6ABF7D-158E-4A3A-B0D2-9F232FED4794}"/>
+                <a16:creationId xmlns:a16="http://schemas.microsoft.com/office/drawing/2014/main" xmlns="" id="{8B6ABF7D-158E-4A3A-B0D2-9F232FED4794}"/>
               </a:ext>
             </a:extLst>
           </p:cNvPr>
@@ -6911,7 +6911,7 @@
           <p:cNvPr id="6" name="Slide Number Placeholder 5">
             <a:extLst>
               <a:ext uri="{FF2B5EF4-FFF2-40B4-BE49-F238E27FC236}">
-                <a16:creationId xmlns:a16="http://schemas.microsoft.com/office/drawing/2014/main" id="{D538B12A-AA96-4861-B0DC-DDEB4832892D}"/>
+                <a16:creationId xmlns:a16="http://schemas.microsoft.com/office/drawing/2014/main" xmlns="" id="{D538B12A-AA96-4861-B0DC-DDEB4832892D}"/>
               </a:ext>
             </a:extLst>
           </p:cNvPr>
@@ -6970,7 +6970,7 @@
           <p:cNvPr id="2" name="Vertical Title 1">
             <a:extLst>
               <a:ext uri="{FF2B5EF4-FFF2-40B4-BE49-F238E27FC236}">
-                <a16:creationId xmlns:a16="http://schemas.microsoft.com/office/drawing/2014/main" id="{CDFBA623-7171-482B-BE6F-4C7F350AEFA9}"/>
+                <a16:creationId xmlns:a16="http://schemas.microsoft.com/office/drawing/2014/main" xmlns="" id="{CDFBA623-7171-482B-BE6F-4C7F350AEFA9}"/>
               </a:ext>
             </a:extLst>
           </p:cNvPr>
@@ -7003,7 +7003,7 @@
           <p:cNvPr id="3" name="Vertical Text Placeholder 2">
             <a:extLst>
               <a:ext uri="{FF2B5EF4-FFF2-40B4-BE49-F238E27FC236}">
-                <a16:creationId xmlns:a16="http://schemas.microsoft.com/office/drawing/2014/main" id="{15AF9D65-5B0F-4EFF-AFFC-357EB582695E}"/>
+                <a16:creationId xmlns:a16="http://schemas.microsoft.com/office/drawing/2014/main" xmlns="" id="{15AF9D65-5B0F-4EFF-AFFC-357EB582695E}"/>
               </a:ext>
             </a:extLst>
           </p:cNvPr>
@@ -7065,7 +7065,7 @@
           <p:cNvPr id="4" name="Date Placeholder 3">
             <a:extLst>
               <a:ext uri="{FF2B5EF4-FFF2-40B4-BE49-F238E27FC236}">
-                <a16:creationId xmlns:a16="http://schemas.microsoft.com/office/drawing/2014/main" id="{52EA3940-5AF2-449B-93EA-918552162E63}"/>
+                <a16:creationId xmlns:a16="http://schemas.microsoft.com/office/drawing/2014/main" xmlns="" id="{52EA3940-5AF2-449B-93EA-918552162E63}"/>
               </a:ext>
             </a:extLst>
           </p:cNvPr>
@@ -7101,7 +7101,7 @@
           <p:cNvPr id="5" name="Footer Placeholder 4">
             <a:extLst>
               <a:ext uri="{FF2B5EF4-FFF2-40B4-BE49-F238E27FC236}">
-                <a16:creationId xmlns:a16="http://schemas.microsoft.com/office/drawing/2014/main" id="{000E6025-335B-40AA-8067-ADE0A0FCC7D8}"/>
+                <a16:creationId xmlns:a16="http://schemas.microsoft.com/office/drawing/2014/main" xmlns="" id="{000E6025-335B-40AA-8067-ADE0A0FCC7D8}"/>
               </a:ext>
             </a:extLst>
           </p:cNvPr>
@@ -7138,7 +7138,7 @@
           <p:cNvPr id="6" name="Slide Number Placeholder 5">
             <a:extLst>
               <a:ext uri="{FF2B5EF4-FFF2-40B4-BE49-F238E27FC236}">
-                <a16:creationId xmlns:a16="http://schemas.microsoft.com/office/drawing/2014/main" id="{D5D97D7E-0EF4-4187-9651-7C5CDE6EB18B}"/>
+                <a16:creationId xmlns:a16="http://schemas.microsoft.com/office/drawing/2014/main" xmlns="" id="{D5D97D7E-0EF4-4187-9651-7C5CDE6EB18B}"/>
               </a:ext>
             </a:extLst>
           </p:cNvPr>
@@ -7197,7 +7197,7 @@
           <p:cNvPr id="2" name="Title 1">
             <a:extLst>
               <a:ext uri="{FF2B5EF4-FFF2-40B4-BE49-F238E27FC236}">
-                <a16:creationId xmlns:a16="http://schemas.microsoft.com/office/drawing/2014/main" id="{455308D2-FFE1-4D7C-8B4D-B15A12245589}"/>
+                <a16:creationId xmlns:a16="http://schemas.microsoft.com/office/drawing/2014/main" xmlns="" id="{455308D2-FFE1-4D7C-8B4D-B15A12245589}"/>
               </a:ext>
             </a:extLst>
           </p:cNvPr>
@@ -7236,7 +7236,7 @@
           <p:cNvPr id="3" name="Subtitle 2">
             <a:extLst>
               <a:ext uri="{FF2B5EF4-FFF2-40B4-BE49-F238E27FC236}">
-                <a16:creationId xmlns:a16="http://schemas.microsoft.com/office/drawing/2014/main" id="{6C1BAC39-5D2B-413C-BA32-3216747EB598}"/>
+                <a16:creationId xmlns:a16="http://schemas.microsoft.com/office/drawing/2014/main" xmlns="" id="{6C1BAC39-5D2B-413C-BA32-3216747EB598}"/>
               </a:ext>
             </a:extLst>
           </p:cNvPr>
@@ -7306,7 +7306,7 @@
           <p:cNvPr id="4" name="Date Placeholder 3">
             <a:extLst>
               <a:ext uri="{FF2B5EF4-FFF2-40B4-BE49-F238E27FC236}">
-                <a16:creationId xmlns:a16="http://schemas.microsoft.com/office/drawing/2014/main" id="{C35269D5-0955-497A-80BE-7C5CDAD75DB9}"/>
+                <a16:creationId xmlns:a16="http://schemas.microsoft.com/office/drawing/2014/main" xmlns="" id="{C35269D5-0955-497A-80BE-7C5CDAD75DB9}"/>
               </a:ext>
             </a:extLst>
           </p:cNvPr>
@@ -7334,7 +7334,7 @@
           <p:cNvPr id="5" name="Footer Placeholder 4">
             <a:extLst>
               <a:ext uri="{FF2B5EF4-FFF2-40B4-BE49-F238E27FC236}">
-                <a16:creationId xmlns:a16="http://schemas.microsoft.com/office/drawing/2014/main" id="{24AA295D-AF88-4B2D-B3DD-1C4DC4BFCC5F}"/>
+                <a16:creationId xmlns:a16="http://schemas.microsoft.com/office/drawing/2014/main" xmlns="" id="{24AA295D-AF88-4B2D-B3DD-1C4DC4BFCC5F}"/>
               </a:ext>
             </a:extLst>
           </p:cNvPr>
@@ -7371,7 +7371,7 @@
           <p:cNvPr id="6" name="Slide Number Placeholder 5">
             <a:extLst>
               <a:ext uri="{FF2B5EF4-FFF2-40B4-BE49-F238E27FC236}">
-                <a16:creationId xmlns:a16="http://schemas.microsoft.com/office/drawing/2014/main" id="{DD710085-2B1D-4930-A706-69FE50F7B5E8}"/>
+                <a16:creationId xmlns:a16="http://schemas.microsoft.com/office/drawing/2014/main" xmlns="" id="{DD710085-2B1D-4930-A706-69FE50F7B5E8}"/>
               </a:ext>
             </a:extLst>
           </p:cNvPr>
@@ -7437,7 +7437,7 @@
           <p:cNvPr id="2" name="Title 1">
             <a:extLst>
               <a:ext uri="{FF2B5EF4-FFF2-40B4-BE49-F238E27FC236}">
-                <a16:creationId xmlns:a16="http://schemas.microsoft.com/office/drawing/2014/main" id="{61E9F2F5-963E-4D24-A108-FBB886A92C04}"/>
+                <a16:creationId xmlns:a16="http://schemas.microsoft.com/office/drawing/2014/main" xmlns="" id="{61E9F2F5-963E-4D24-A108-FBB886A92C04}"/>
               </a:ext>
             </a:extLst>
           </p:cNvPr>
@@ -7465,7 +7465,7 @@
           <p:cNvPr id="3" name="Content Placeholder 2">
             <a:extLst>
               <a:ext uri="{FF2B5EF4-FFF2-40B4-BE49-F238E27FC236}">
-                <a16:creationId xmlns:a16="http://schemas.microsoft.com/office/drawing/2014/main" id="{22599895-4F56-4291-B481-7637AEF704C2}"/>
+                <a16:creationId xmlns:a16="http://schemas.microsoft.com/office/drawing/2014/main" xmlns="" id="{22599895-4F56-4291-B481-7637AEF704C2}"/>
               </a:ext>
             </a:extLst>
           </p:cNvPr>
@@ -7522,7 +7522,7 @@
           <p:cNvPr id="4" name="Date Placeholder 3">
             <a:extLst>
               <a:ext uri="{FF2B5EF4-FFF2-40B4-BE49-F238E27FC236}">
-                <a16:creationId xmlns:a16="http://schemas.microsoft.com/office/drawing/2014/main" id="{BFF940DD-787B-44A8-A222-E2574ACAE008}"/>
+                <a16:creationId xmlns:a16="http://schemas.microsoft.com/office/drawing/2014/main" xmlns="" id="{BFF940DD-787B-44A8-A222-E2574ACAE008}"/>
               </a:ext>
             </a:extLst>
           </p:cNvPr>
@@ -7556,7 +7556,7 @@
           <p:cNvPr id="5" name="Footer Placeholder 4">
             <a:extLst>
               <a:ext uri="{FF2B5EF4-FFF2-40B4-BE49-F238E27FC236}">
-                <a16:creationId xmlns:a16="http://schemas.microsoft.com/office/drawing/2014/main" id="{74B77569-CE31-42DB-B765-FE373C8D3A29}"/>
+                <a16:creationId xmlns:a16="http://schemas.microsoft.com/office/drawing/2014/main" xmlns="" id="{74B77569-CE31-42DB-B765-FE373C8D3A29}"/>
               </a:ext>
             </a:extLst>
           </p:cNvPr>
@@ -7593,7 +7593,7 @@
           <p:cNvPr id="6" name="Slide Number Placeholder 5">
             <a:extLst>
               <a:ext uri="{FF2B5EF4-FFF2-40B4-BE49-F238E27FC236}">
-                <a16:creationId xmlns:a16="http://schemas.microsoft.com/office/drawing/2014/main" id="{C3FE9FF2-F5BA-4493-9676-4348CF3B9C53}"/>
+                <a16:creationId xmlns:a16="http://schemas.microsoft.com/office/drawing/2014/main" xmlns="" id="{C3FE9FF2-F5BA-4493-9676-4348CF3B9C53}"/>
               </a:ext>
             </a:extLst>
           </p:cNvPr>
@@ -7664,7 +7664,7 @@
           <p:cNvPr id="2" name="Title 1">
             <a:extLst>
               <a:ext uri="{FF2B5EF4-FFF2-40B4-BE49-F238E27FC236}">
-                <a16:creationId xmlns:a16="http://schemas.microsoft.com/office/drawing/2014/main" id="{3B95F53D-ABA5-46D4-8CAA-48330AD4A34F}"/>
+                <a16:creationId xmlns:a16="http://schemas.microsoft.com/office/drawing/2014/main" xmlns="" id="{3B95F53D-ABA5-46D4-8CAA-48330AD4A34F}"/>
               </a:ext>
             </a:extLst>
           </p:cNvPr>
@@ -7701,7 +7701,7 @@
           <p:cNvPr id="3" name="Text Placeholder 2">
             <a:extLst>
               <a:ext uri="{FF2B5EF4-FFF2-40B4-BE49-F238E27FC236}">
-                <a16:creationId xmlns:a16="http://schemas.microsoft.com/office/drawing/2014/main" id="{3D21A9A0-30BB-4E45-9FA2-879607C44DE1}"/>
+                <a16:creationId xmlns:a16="http://schemas.microsoft.com/office/drawing/2014/main" xmlns="" id="{3D21A9A0-30BB-4E45-9FA2-879607C44DE1}"/>
               </a:ext>
             </a:extLst>
           </p:cNvPr>
@@ -7826,7 +7826,7 @@
           <p:cNvPr id="7" name="Date Placeholder 3">
             <a:extLst>
               <a:ext uri="{FF2B5EF4-FFF2-40B4-BE49-F238E27FC236}">
-                <a16:creationId xmlns:a16="http://schemas.microsoft.com/office/drawing/2014/main" id="{317B7921-9686-4A96-BEF8-CC4C4C68BDEF}"/>
+                <a16:creationId xmlns:a16="http://schemas.microsoft.com/office/drawing/2014/main" xmlns="" id="{317B7921-9686-4A96-BEF8-CC4C4C68BDEF}"/>
               </a:ext>
             </a:extLst>
           </p:cNvPr>
@@ -7860,7 +7860,7 @@
           <p:cNvPr id="8" name="Footer Placeholder 4">
             <a:extLst>
               <a:ext uri="{FF2B5EF4-FFF2-40B4-BE49-F238E27FC236}">
-                <a16:creationId xmlns:a16="http://schemas.microsoft.com/office/drawing/2014/main" id="{371BF827-7538-4947-8119-EE5F67CC5945}"/>
+                <a16:creationId xmlns:a16="http://schemas.microsoft.com/office/drawing/2014/main" xmlns="" id="{371BF827-7538-4947-8119-EE5F67CC5945}"/>
               </a:ext>
             </a:extLst>
           </p:cNvPr>
@@ -7897,7 +7897,7 @@
           <p:cNvPr id="9" name="Slide Number Placeholder 5">
             <a:extLst>
               <a:ext uri="{FF2B5EF4-FFF2-40B4-BE49-F238E27FC236}">
-                <a16:creationId xmlns:a16="http://schemas.microsoft.com/office/drawing/2014/main" id="{1DB02CC8-853F-4AFC-BF98-F3F166F6029C}"/>
+                <a16:creationId xmlns:a16="http://schemas.microsoft.com/office/drawing/2014/main" xmlns="" id="{1DB02CC8-853F-4AFC-BF98-F3F166F6029C}"/>
               </a:ext>
             </a:extLst>
           </p:cNvPr>
@@ -7968,7 +7968,7 @@
           <p:cNvPr id="2" name="Title 1">
             <a:extLst>
               <a:ext uri="{FF2B5EF4-FFF2-40B4-BE49-F238E27FC236}">
-                <a16:creationId xmlns:a16="http://schemas.microsoft.com/office/drawing/2014/main" id="{5422F31F-74F1-4413-BB98-66DC8246C397}"/>
+                <a16:creationId xmlns:a16="http://schemas.microsoft.com/office/drawing/2014/main" xmlns="" id="{5422F31F-74F1-4413-BB98-66DC8246C397}"/>
               </a:ext>
             </a:extLst>
           </p:cNvPr>
@@ -7996,7 +7996,7 @@
           <p:cNvPr id="3" name="Content Placeholder 2">
             <a:extLst>
               <a:ext uri="{FF2B5EF4-FFF2-40B4-BE49-F238E27FC236}">
-                <a16:creationId xmlns:a16="http://schemas.microsoft.com/office/drawing/2014/main" id="{33887A3E-1C95-46F4-A239-AE1195610AAC}"/>
+                <a16:creationId xmlns:a16="http://schemas.microsoft.com/office/drawing/2014/main" xmlns="" id="{33887A3E-1C95-46F4-A239-AE1195610AAC}"/>
               </a:ext>
             </a:extLst>
           </p:cNvPr>
@@ -8058,7 +8058,7 @@
           <p:cNvPr id="4" name="Content Placeholder 3">
             <a:extLst>
               <a:ext uri="{FF2B5EF4-FFF2-40B4-BE49-F238E27FC236}">
-                <a16:creationId xmlns:a16="http://schemas.microsoft.com/office/drawing/2014/main" id="{006DB7FA-4C22-42CD-89AD-4C2F6B490692}"/>
+                <a16:creationId xmlns:a16="http://schemas.microsoft.com/office/drawing/2014/main" xmlns="" id="{006DB7FA-4C22-42CD-89AD-4C2F6B490692}"/>
               </a:ext>
             </a:extLst>
           </p:cNvPr>
@@ -8120,7 +8120,7 @@
           <p:cNvPr id="8" name="Date Placeholder 3">
             <a:extLst>
               <a:ext uri="{FF2B5EF4-FFF2-40B4-BE49-F238E27FC236}">
-                <a16:creationId xmlns:a16="http://schemas.microsoft.com/office/drawing/2014/main" id="{03F15B3F-EEB2-497C-8074-6A0F0A2F280A}"/>
+                <a16:creationId xmlns:a16="http://schemas.microsoft.com/office/drawing/2014/main" xmlns="" id="{03F15B3F-EEB2-497C-8074-6A0F0A2F280A}"/>
               </a:ext>
             </a:extLst>
           </p:cNvPr>
@@ -8154,7 +8154,7 @@
           <p:cNvPr id="9" name="Footer Placeholder 4">
             <a:extLst>
               <a:ext uri="{FF2B5EF4-FFF2-40B4-BE49-F238E27FC236}">
-                <a16:creationId xmlns:a16="http://schemas.microsoft.com/office/drawing/2014/main" id="{81D43726-0E13-41AD-9E61-A6973EBA2DBB}"/>
+                <a16:creationId xmlns:a16="http://schemas.microsoft.com/office/drawing/2014/main" xmlns="" id="{81D43726-0E13-41AD-9E61-A6973EBA2DBB}"/>
               </a:ext>
             </a:extLst>
           </p:cNvPr>
@@ -8191,7 +8191,7 @@
           <p:cNvPr id="10" name="Slide Number Placeholder 5">
             <a:extLst>
               <a:ext uri="{FF2B5EF4-FFF2-40B4-BE49-F238E27FC236}">
-                <a16:creationId xmlns:a16="http://schemas.microsoft.com/office/drawing/2014/main" id="{93A6996A-A2D0-4070-BBCB-9B8D78433929}"/>
+                <a16:creationId xmlns:a16="http://schemas.microsoft.com/office/drawing/2014/main" xmlns="" id="{93A6996A-A2D0-4070-BBCB-9B8D78433929}"/>
               </a:ext>
             </a:extLst>
           </p:cNvPr>
@@ -8262,7 +8262,7 @@
           <p:cNvPr id="2" name="Title 1">
             <a:extLst>
               <a:ext uri="{FF2B5EF4-FFF2-40B4-BE49-F238E27FC236}">
-                <a16:creationId xmlns:a16="http://schemas.microsoft.com/office/drawing/2014/main" id="{07AE64CF-25A6-4888-8B42-056C0BC78299}"/>
+                <a16:creationId xmlns:a16="http://schemas.microsoft.com/office/drawing/2014/main" xmlns="" id="{07AE64CF-25A6-4888-8B42-056C0BC78299}"/>
               </a:ext>
             </a:extLst>
           </p:cNvPr>
@@ -8295,7 +8295,7 @@
           <p:cNvPr id="3" name="Text Placeholder 2">
             <a:extLst>
               <a:ext uri="{FF2B5EF4-FFF2-40B4-BE49-F238E27FC236}">
-                <a16:creationId xmlns:a16="http://schemas.microsoft.com/office/drawing/2014/main" id="{31D521D0-EC3D-423A-9F68-FE34202047E6}"/>
+                <a16:creationId xmlns:a16="http://schemas.microsoft.com/office/drawing/2014/main" xmlns="" id="{31D521D0-EC3D-423A-9F68-FE34202047E6}"/>
               </a:ext>
             </a:extLst>
           </p:cNvPr>
@@ -8366,7 +8366,7 @@
           <p:cNvPr id="4" name="Content Placeholder 3">
             <a:extLst>
               <a:ext uri="{FF2B5EF4-FFF2-40B4-BE49-F238E27FC236}">
-                <a16:creationId xmlns:a16="http://schemas.microsoft.com/office/drawing/2014/main" id="{0739713C-2DD7-4032-A8CA-B0A34C7E7E6A}"/>
+                <a16:creationId xmlns:a16="http://schemas.microsoft.com/office/drawing/2014/main" xmlns="" id="{0739713C-2DD7-4032-A8CA-B0A34C7E7E6A}"/>
               </a:ext>
             </a:extLst>
           </p:cNvPr>
@@ -8428,7 +8428,7 @@
           <p:cNvPr id="5" name="Text Placeholder 4">
             <a:extLst>
               <a:ext uri="{FF2B5EF4-FFF2-40B4-BE49-F238E27FC236}">
-                <a16:creationId xmlns:a16="http://schemas.microsoft.com/office/drawing/2014/main" id="{98C005D8-E7B9-4F38-8F27-E35D9ACC5F27}"/>
+                <a16:creationId xmlns:a16="http://schemas.microsoft.com/office/drawing/2014/main" xmlns="" id="{98C005D8-E7B9-4F38-8F27-E35D9ACC5F27}"/>
               </a:ext>
             </a:extLst>
           </p:cNvPr>
@@ -8499,7 +8499,7 @@
           <p:cNvPr id="6" name="Content Placeholder 5">
             <a:extLst>
               <a:ext uri="{FF2B5EF4-FFF2-40B4-BE49-F238E27FC236}">
-                <a16:creationId xmlns:a16="http://schemas.microsoft.com/office/drawing/2014/main" id="{CBBC7D09-4992-4D54-AFC4-DF127264C93B}"/>
+                <a16:creationId xmlns:a16="http://schemas.microsoft.com/office/drawing/2014/main" xmlns="" id="{CBBC7D09-4992-4D54-AFC4-DF127264C93B}"/>
               </a:ext>
             </a:extLst>
           </p:cNvPr>
@@ -8561,7 +8561,7 @@
           <p:cNvPr id="7" name="Date Placeholder 6">
             <a:extLst>
               <a:ext uri="{FF2B5EF4-FFF2-40B4-BE49-F238E27FC236}">
-                <a16:creationId xmlns:a16="http://schemas.microsoft.com/office/drawing/2014/main" id="{7B902C95-4EFB-4C4F-93D0-EDCA6517C722}"/>
+                <a16:creationId xmlns:a16="http://schemas.microsoft.com/office/drawing/2014/main" xmlns="" id="{7B902C95-4EFB-4C4F-93D0-EDCA6517C722}"/>
               </a:ext>
             </a:extLst>
           </p:cNvPr>
@@ -8589,7 +8589,7 @@
           <p:cNvPr id="8" name="Footer Placeholder 7">
             <a:extLst>
               <a:ext uri="{FF2B5EF4-FFF2-40B4-BE49-F238E27FC236}">
-                <a16:creationId xmlns:a16="http://schemas.microsoft.com/office/drawing/2014/main" id="{23090BC9-D88A-4F18-AA37-2EF4BA51D91F}"/>
+                <a16:creationId xmlns:a16="http://schemas.microsoft.com/office/drawing/2014/main" xmlns="" id="{23090BC9-D88A-4F18-AA37-2EF4BA51D91F}"/>
               </a:ext>
             </a:extLst>
           </p:cNvPr>
@@ -8626,7 +8626,7 @@
           <p:cNvPr id="9" name="Slide Number Placeholder 8">
             <a:extLst>
               <a:ext uri="{FF2B5EF4-FFF2-40B4-BE49-F238E27FC236}">
-                <a16:creationId xmlns:a16="http://schemas.microsoft.com/office/drawing/2014/main" id="{3A544E04-1E82-46BF-A12C-D2FAE34B7C4B}"/>
+                <a16:creationId xmlns:a16="http://schemas.microsoft.com/office/drawing/2014/main" xmlns="" id="{3A544E04-1E82-46BF-A12C-D2FAE34B7C4B}"/>
               </a:ext>
             </a:extLst>
           </p:cNvPr>
@@ -8692,7 +8692,7 @@
           <p:cNvPr id="2" name="Title 1">
             <a:extLst>
               <a:ext uri="{FF2B5EF4-FFF2-40B4-BE49-F238E27FC236}">
-                <a16:creationId xmlns:a16="http://schemas.microsoft.com/office/drawing/2014/main" id="{1019D5A1-69B0-4653-8D84-EC515FF177AC}"/>
+                <a16:creationId xmlns:a16="http://schemas.microsoft.com/office/drawing/2014/main" xmlns="" id="{1019D5A1-69B0-4653-8D84-EC515FF177AC}"/>
               </a:ext>
             </a:extLst>
           </p:cNvPr>
@@ -8720,7 +8720,7 @@
           <p:cNvPr id="6" name="Date Placeholder 3">
             <a:extLst>
               <a:ext uri="{FF2B5EF4-FFF2-40B4-BE49-F238E27FC236}">
-                <a16:creationId xmlns:a16="http://schemas.microsoft.com/office/drawing/2014/main" id="{49E33EA3-CB67-4D57-B820-4AAB4DBBBCB7}"/>
+                <a16:creationId xmlns:a16="http://schemas.microsoft.com/office/drawing/2014/main" xmlns="" id="{49E33EA3-CB67-4D57-B820-4AAB4DBBBCB7}"/>
               </a:ext>
             </a:extLst>
           </p:cNvPr>
@@ -8754,7 +8754,7 @@
           <p:cNvPr id="7" name="Footer Placeholder 4">
             <a:extLst>
               <a:ext uri="{FF2B5EF4-FFF2-40B4-BE49-F238E27FC236}">
-                <a16:creationId xmlns:a16="http://schemas.microsoft.com/office/drawing/2014/main" id="{C2252DAA-67B9-4F53-9881-06EC61173B02}"/>
+                <a16:creationId xmlns:a16="http://schemas.microsoft.com/office/drawing/2014/main" xmlns="" id="{C2252DAA-67B9-4F53-9881-06EC61173B02}"/>
               </a:ext>
             </a:extLst>
           </p:cNvPr>
@@ -8791,7 +8791,7 @@
           <p:cNvPr id="8" name="Slide Number Placeholder 5">
             <a:extLst>
               <a:ext uri="{FF2B5EF4-FFF2-40B4-BE49-F238E27FC236}">
-                <a16:creationId xmlns:a16="http://schemas.microsoft.com/office/drawing/2014/main" id="{4AB03981-1FFD-4A77-B2A6-B17B763FBA3E}"/>
+                <a16:creationId xmlns:a16="http://schemas.microsoft.com/office/drawing/2014/main" xmlns="" id="{4AB03981-1FFD-4A77-B2A6-B17B763FBA3E}"/>
               </a:ext>
             </a:extLst>
           </p:cNvPr>
@@ -8862,7 +8862,7 @@
           <p:cNvPr id="5" name="Date Placeholder 3">
             <a:extLst>
               <a:ext uri="{FF2B5EF4-FFF2-40B4-BE49-F238E27FC236}">
-                <a16:creationId xmlns:a16="http://schemas.microsoft.com/office/drawing/2014/main" id="{84A34513-EF17-45E1-8481-5B2AA417C295}"/>
+                <a16:creationId xmlns:a16="http://schemas.microsoft.com/office/drawing/2014/main" xmlns="" id="{84A34513-EF17-45E1-8481-5B2AA417C295}"/>
               </a:ext>
             </a:extLst>
           </p:cNvPr>
@@ -8896,7 +8896,7 @@
           <p:cNvPr id="6" name="Footer Placeholder 4">
             <a:extLst>
               <a:ext uri="{FF2B5EF4-FFF2-40B4-BE49-F238E27FC236}">
-                <a16:creationId xmlns:a16="http://schemas.microsoft.com/office/drawing/2014/main" id="{168261D8-F877-4F6E-86F1-3A10D6E2C488}"/>
+                <a16:creationId xmlns:a16="http://schemas.microsoft.com/office/drawing/2014/main" xmlns="" id="{168261D8-F877-4F6E-86F1-3A10D6E2C488}"/>
               </a:ext>
             </a:extLst>
           </p:cNvPr>
@@ -8933,7 +8933,7 @@
           <p:cNvPr id="7" name="Slide Number Placeholder 5">
             <a:extLst>
               <a:ext uri="{FF2B5EF4-FFF2-40B4-BE49-F238E27FC236}">
-                <a16:creationId xmlns:a16="http://schemas.microsoft.com/office/drawing/2014/main" id="{B50E8306-C537-4F41-BB39-10DBDC3BC628}"/>
+                <a16:creationId xmlns:a16="http://schemas.microsoft.com/office/drawing/2014/main" xmlns="" id="{B50E8306-C537-4F41-BB39-10DBDC3BC628}"/>
               </a:ext>
             </a:extLst>
           </p:cNvPr>
@@ -9009,7 +9009,7 @@
           <p:cNvPr id="8" name="Picture 7">
             <a:extLst>
               <a:ext uri="{FF2B5EF4-FFF2-40B4-BE49-F238E27FC236}">
-                <a16:creationId xmlns:a16="http://schemas.microsoft.com/office/drawing/2014/main" id="{C66989F5-FAFD-40E4-8093-857A7F38806A}"/>
+                <a16:creationId xmlns:a16="http://schemas.microsoft.com/office/drawing/2014/main" xmlns="" id="{C66989F5-FAFD-40E4-8093-857A7F38806A}"/>
               </a:ext>
             </a:extLst>
           </p:cNvPr>
@@ -9039,7 +9039,7 @@
           <p:cNvPr id="2" name="Title Placeholder 1">
             <a:extLst>
               <a:ext uri="{FF2B5EF4-FFF2-40B4-BE49-F238E27FC236}">
-                <a16:creationId xmlns:a16="http://schemas.microsoft.com/office/drawing/2014/main" id="{8A4AD1B2-FC50-4B81-9CB3-C73349D25650}"/>
+                <a16:creationId xmlns:a16="http://schemas.microsoft.com/office/drawing/2014/main" xmlns="" id="{8A4AD1B2-FC50-4B81-9CB3-C73349D25650}"/>
               </a:ext>
             </a:extLst>
           </p:cNvPr>
@@ -9077,7 +9077,7 @@
           <p:cNvPr id="3" name="Text Placeholder 2">
             <a:extLst>
               <a:ext uri="{FF2B5EF4-FFF2-40B4-BE49-F238E27FC236}">
-                <a16:creationId xmlns:a16="http://schemas.microsoft.com/office/drawing/2014/main" id="{776E15B4-0780-4493-901B-CE744431FC2F}"/>
+                <a16:creationId xmlns:a16="http://schemas.microsoft.com/office/drawing/2014/main" xmlns="" id="{776E15B4-0780-4493-901B-CE744431FC2F}"/>
               </a:ext>
             </a:extLst>
           </p:cNvPr>
@@ -9144,7 +9144,7 @@
           <p:cNvPr id="4" name="Date Placeholder 3">
             <a:extLst>
               <a:ext uri="{FF2B5EF4-FFF2-40B4-BE49-F238E27FC236}">
-                <a16:creationId xmlns:a16="http://schemas.microsoft.com/office/drawing/2014/main" id="{189C2143-9206-41C7-8F10-6F3939DEAB10}"/>
+                <a16:creationId xmlns:a16="http://schemas.microsoft.com/office/drawing/2014/main" xmlns="" id="{189C2143-9206-41C7-8F10-6F3939DEAB10}"/>
               </a:ext>
             </a:extLst>
           </p:cNvPr>
@@ -9193,7 +9193,7 @@
           <p:cNvPr id="6" name="Slide Number Placeholder 5">
             <a:extLst>
               <a:ext uri="{FF2B5EF4-FFF2-40B4-BE49-F238E27FC236}">
-                <a16:creationId xmlns:a16="http://schemas.microsoft.com/office/drawing/2014/main" id="{A765D9DD-CDE1-49FC-8A79-AA6B4D01AF18}"/>
+                <a16:creationId xmlns:a16="http://schemas.microsoft.com/office/drawing/2014/main" xmlns="" id="{A765D9DD-CDE1-49FC-8A79-AA6B4D01AF18}"/>
               </a:ext>
             </a:extLst>
           </p:cNvPr>
@@ -9240,7 +9240,7 @@
           <p:cNvPr id="7" name="Straight Connector 11">
             <a:extLst>
               <a:ext uri="{FF2B5EF4-FFF2-40B4-BE49-F238E27FC236}">
-                <a16:creationId xmlns:a16="http://schemas.microsoft.com/office/drawing/2014/main" id="{AA69D64E-3E47-4384-9557-8DAE71BCB5EC}"/>
+                <a16:creationId xmlns:a16="http://schemas.microsoft.com/office/drawing/2014/main" xmlns="" id="{AA69D64E-3E47-4384-9557-8DAE71BCB5EC}"/>
               </a:ext>
             </a:extLst>
           </p:cNvPr>
@@ -9288,7 +9288,7 @@
           <p:cNvPr id="9" name="Picture 8">
             <a:extLst>
               <a:ext uri="{FF2B5EF4-FFF2-40B4-BE49-F238E27FC236}">
-                <a16:creationId xmlns:a16="http://schemas.microsoft.com/office/drawing/2014/main" id="{28290A92-E755-4E92-ADA5-5B1081ECE46A}"/>
+                <a16:creationId xmlns:a16="http://schemas.microsoft.com/office/drawing/2014/main" xmlns="" id="{28290A92-E755-4E92-ADA5-5B1081ECE46A}"/>
               </a:ext>
             </a:extLst>
           </p:cNvPr>
@@ -9323,7 +9323,7 @@
           <p:cNvPr id="10" name="Object 9">
             <a:extLst>
               <a:ext uri="{FF2B5EF4-FFF2-40B4-BE49-F238E27FC236}">
-                <a16:creationId xmlns:a16="http://schemas.microsoft.com/office/drawing/2014/main" id="{2C498D32-FA8E-4F25-98A9-949E7B904FC5}"/>
+                <a16:creationId xmlns:a16="http://schemas.microsoft.com/office/drawing/2014/main" xmlns="" id="{2C498D32-FA8E-4F25-98A9-949E7B904FC5}"/>
               </a:ext>
             </a:extLst>
           </p:cNvPr>
@@ -9346,7 +9346,7 @@
           <a:graphicData uri="http://schemas.openxmlformats.org/presentationml/2006/ole">
             <mc:AlternateContent xmlns:mc="http://schemas.openxmlformats.org/markup-compatibility/2006">
               <mc:Choice xmlns:v="urn:schemas-microsoft-com:vml" Requires="v">
-                <p:oleObj spid="_x0000_s34681" name="Picture" r:id="rId21" imgW="1746281" imgH="548657" progId="Word.Picture.8">
+                <p:oleObj spid="_x0000_s34682" name="Picture" r:id="rId21" imgW="1746281" imgH="548657" progId="Word.Picture.8">
                   <p:embed/>
                 </p:oleObj>
               </mc:Choice>
@@ -9358,7 +9358,7 @@
                       <p:cNvPr id="3" name="Object 2">
                         <a:extLst>
                           <a:ext uri="{FF2B5EF4-FFF2-40B4-BE49-F238E27FC236}">
-                            <a16:creationId xmlns:a16="http://schemas.microsoft.com/office/drawing/2014/main" id="{61ACA139-DA2E-4FB5-A500-F71BBA1FACE2}"/>
+                            <a16:creationId xmlns:a16="http://schemas.microsoft.com/office/drawing/2014/main" xmlns="" id="{61ACA139-DA2E-4FB5-A500-F71BBA1FACE2}"/>
                           </a:ext>
                         </a:extLst>
                       </p:cNvPr>
@@ -9402,7 +9402,7 @@
           <p:cNvPr id="11" name="Footer Placeholder 4">
             <a:extLst>
               <a:ext uri="{FF2B5EF4-FFF2-40B4-BE49-F238E27FC236}">
-                <a16:creationId xmlns:a16="http://schemas.microsoft.com/office/drawing/2014/main" id="{759E57AC-68F6-4C59-8F9C-5CC90BBB3987}"/>
+                <a16:creationId xmlns:a16="http://schemas.microsoft.com/office/drawing/2014/main" xmlns="" id="{759E57AC-68F6-4C59-8F9C-5CC90BBB3987}"/>
               </a:ext>
             </a:extLst>
           </p:cNvPr>
@@ -9451,7 +9451,7 @@
           <p:cNvPr id="12" name="Straight Connector 11">
             <a:extLst>
               <a:ext uri="{FF2B5EF4-FFF2-40B4-BE49-F238E27FC236}">
-                <a16:creationId xmlns:a16="http://schemas.microsoft.com/office/drawing/2014/main" id="{C02BF77A-2EFC-4083-8D34-1BBDBD417053}"/>
+                <a16:creationId xmlns:a16="http://schemas.microsoft.com/office/drawing/2014/main" xmlns="" id="{C02BF77A-2EFC-4083-8D34-1BBDBD417053}"/>
               </a:ext>
             </a:extLst>
           </p:cNvPr>
@@ -9831,7 +9831,7 @@
           <p:cNvPr id="2" name="Title Placeholder 1">
             <a:extLst>
               <a:ext uri="{FF2B5EF4-FFF2-40B4-BE49-F238E27FC236}">
-                <a16:creationId xmlns:a16="http://schemas.microsoft.com/office/drawing/2014/main" id="{E2D7EC0E-A1BE-481F-9160-DCB50DFC12C4}"/>
+                <a16:creationId xmlns:a16="http://schemas.microsoft.com/office/drawing/2014/main" xmlns="" id="{E2D7EC0E-A1BE-481F-9160-DCB50DFC12C4}"/>
               </a:ext>
             </a:extLst>
           </p:cNvPr>
@@ -9869,7 +9869,7 @@
           <p:cNvPr id="3" name="Text Placeholder 2">
             <a:extLst>
               <a:ext uri="{FF2B5EF4-FFF2-40B4-BE49-F238E27FC236}">
-                <a16:creationId xmlns:a16="http://schemas.microsoft.com/office/drawing/2014/main" id="{FA028E1D-6E54-4646-9F3F-D44359BD6D99}"/>
+                <a16:creationId xmlns:a16="http://schemas.microsoft.com/office/drawing/2014/main" xmlns="" id="{FA028E1D-6E54-4646-9F3F-D44359BD6D99}"/>
               </a:ext>
             </a:extLst>
           </p:cNvPr>
@@ -9936,7 +9936,7 @@
           <p:cNvPr id="6" name="Slide Number Placeholder 5">
             <a:extLst>
               <a:ext uri="{FF2B5EF4-FFF2-40B4-BE49-F238E27FC236}">
-                <a16:creationId xmlns:a16="http://schemas.microsoft.com/office/drawing/2014/main" id="{4622B1E3-D922-486D-A9E4-AA6A6CD0165A}"/>
+                <a16:creationId xmlns:a16="http://schemas.microsoft.com/office/drawing/2014/main" xmlns="" id="{4622B1E3-D922-486D-A9E4-AA6A6CD0165A}"/>
               </a:ext>
             </a:extLst>
           </p:cNvPr>
@@ -9983,7 +9983,7 @@
           <p:cNvPr id="7" name="Date Placeholder 3">
             <a:extLst>
               <a:ext uri="{FF2B5EF4-FFF2-40B4-BE49-F238E27FC236}">
-                <a16:creationId xmlns:a16="http://schemas.microsoft.com/office/drawing/2014/main" id="{DFED7AF0-4551-46E3-8808-9A38B41DF4CF}"/>
+                <a16:creationId xmlns:a16="http://schemas.microsoft.com/office/drawing/2014/main" xmlns="" id="{DFED7AF0-4551-46E3-8808-9A38B41DF4CF}"/>
               </a:ext>
             </a:extLst>
           </p:cNvPr>
@@ -10032,7 +10032,7 @@
           <p:cNvPr id="8" name="Footer Placeholder 4">
             <a:extLst>
               <a:ext uri="{FF2B5EF4-FFF2-40B4-BE49-F238E27FC236}">
-                <a16:creationId xmlns:a16="http://schemas.microsoft.com/office/drawing/2014/main" id="{4E8C4276-F417-4034-8634-C22CF8D32368}"/>
+                <a16:creationId xmlns:a16="http://schemas.microsoft.com/office/drawing/2014/main" xmlns="" id="{4E8C4276-F417-4034-8634-C22CF8D32368}"/>
               </a:ext>
             </a:extLst>
           </p:cNvPr>
@@ -10727,14 +10727,7 @@
                 <a:latin typeface="微软雅黑" pitchFamily="34" charset="-122"/>
                 <a:ea typeface="微软雅黑" pitchFamily="34" charset="-122"/>
               </a:rPr>
-              <a:t>统一认证</a:t>
-            </a:r>
-            <a:r>
-              <a:rPr lang="zh-CN" altLang="en-US" sz="3733" dirty="0" smtClean="0">
-                <a:latin typeface="微软雅黑" pitchFamily="34" charset="-122"/>
-                <a:ea typeface="微软雅黑" pitchFamily="34" charset="-122"/>
-              </a:rPr>
-              <a:t>设计</a:t>
+              <a:t>统一认证设计</a:t>
             </a:r>
             <a:endParaRPr lang="en-US" altLang="zh-CN" sz="3733" dirty="0" smtClean="0">
               <a:latin typeface="微软雅黑" pitchFamily="34" charset="-122"/>
@@ -11215,21 +11208,21 @@
                 <a:gridCol w="2237568">
                   <a:extLst>
                     <a:ext uri="{9D8B030D-6E8A-4147-A177-3AD203B41FA5}">
-                      <a16:colId xmlns:a16="http://schemas.microsoft.com/office/drawing/2014/main" val="3401234340"/>
+                      <a16:colId xmlns:a16="http://schemas.microsoft.com/office/drawing/2014/main" xmlns="" val="3401234340"/>
                     </a:ext>
                   </a:extLst>
                 </a:gridCol>
                 <a:gridCol w="4734024">
                   <a:extLst>
                     <a:ext uri="{9D8B030D-6E8A-4147-A177-3AD203B41FA5}">
-                      <a16:colId xmlns:a16="http://schemas.microsoft.com/office/drawing/2014/main" val="3695358523"/>
+                      <a16:colId xmlns:a16="http://schemas.microsoft.com/office/drawing/2014/main" xmlns="" val="3695358523"/>
                     </a:ext>
                   </a:extLst>
                 </a:gridCol>
                 <a:gridCol w="4044675">
                   <a:extLst>
                     <a:ext uri="{9D8B030D-6E8A-4147-A177-3AD203B41FA5}">
-                      <a16:colId xmlns:a16="http://schemas.microsoft.com/office/drawing/2014/main" val="3415886611"/>
+                      <a16:colId xmlns:a16="http://schemas.microsoft.com/office/drawing/2014/main" xmlns="" val="3415886611"/>
                     </a:ext>
                   </a:extLst>
                 </a:gridCol>
@@ -11416,7 +11409,7 @@
                 </a:tc>
                 <a:extLst>
                   <a:ext uri="{0D108BD9-81ED-4DB2-BD59-A6C34878D82A}">
-                    <a16:rowId xmlns:a16="http://schemas.microsoft.com/office/drawing/2014/main" val="2468360898"/>
+                    <a16:rowId xmlns:a16="http://schemas.microsoft.com/office/drawing/2014/main" xmlns="" val="2468360898"/>
                   </a:ext>
                 </a:extLst>
               </a:tr>
@@ -11621,7 +11614,7 @@
                 </a:tc>
                 <a:extLst>
                   <a:ext uri="{0D108BD9-81ED-4DB2-BD59-A6C34878D82A}">
-                    <a16:rowId xmlns:a16="http://schemas.microsoft.com/office/drawing/2014/main" val="482276122"/>
+                    <a16:rowId xmlns:a16="http://schemas.microsoft.com/office/drawing/2014/main" xmlns="" val="482276122"/>
                   </a:ext>
                 </a:extLst>
               </a:tr>
@@ -12435,7 +12428,7 @@
                 </a:tc>
                 <a:extLst>
                   <a:ext uri="{0D108BD9-81ED-4DB2-BD59-A6C34878D82A}">
-                    <a16:rowId xmlns:a16="http://schemas.microsoft.com/office/drawing/2014/main" val="2326205148"/>
+                    <a16:rowId xmlns:a16="http://schemas.microsoft.com/office/drawing/2014/main" xmlns="" val="2326205148"/>
                   </a:ext>
                 </a:extLst>
               </a:tr>
@@ -12570,7 +12563,7 @@
                 </a:tc>
                 <a:extLst>
                   <a:ext uri="{0D108BD9-81ED-4DB2-BD59-A6C34878D82A}">
-                    <a16:rowId xmlns:a16="http://schemas.microsoft.com/office/drawing/2014/main" val="1612978323"/>
+                    <a16:rowId xmlns:a16="http://schemas.microsoft.com/office/drawing/2014/main" xmlns="" val="1612978323"/>
                   </a:ext>
                 </a:extLst>
               </a:tr>
@@ -12684,7 +12677,7 @@
                 </a:tc>
                 <a:extLst>
                   <a:ext uri="{0D108BD9-81ED-4DB2-BD59-A6C34878D82A}">
-                    <a16:rowId xmlns:a16="http://schemas.microsoft.com/office/drawing/2014/main" val="2349029150"/>
+                    <a16:rowId xmlns:a16="http://schemas.microsoft.com/office/drawing/2014/main" xmlns="" val="2349029150"/>
                   </a:ext>
                 </a:extLst>
               </a:tr>
@@ -12919,7 +12912,7 @@
                 </a:tc>
                 <a:extLst>
                   <a:ext uri="{0D108BD9-81ED-4DB2-BD59-A6C34878D82A}">
-                    <a16:rowId xmlns:a16="http://schemas.microsoft.com/office/drawing/2014/main" val="3755599061"/>
+                    <a16:rowId xmlns:a16="http://schemas.microsoft.com/office/drawing/2014/main" xmlns="" val="3755599061"/>
                   </a:ext>
                 </a:extLst>
               </a:tr>
@@ -13011,7 +13004,7 @@
                 </a:tc>
                 <a:extLst>
                   <a:ext uri="{0D108BD9-81ED-4DB2-BD59-A6C34878D82A}">
-                    <a16:rowId xmlns:a16="http://schemas.microsoft.com/office/drawing/2014/main" val="3582567963"/>
+                    <a16:rowId xmlns:a16="http://schemas.microsoft.com/office/drawing/2014/main" xmlns="" val="3582567963"/>
                   </a:ext>
                 </a:extLst>
               </a:tr>
@@ -13041,7 +13034,7 @@
           <a:graphicData uri="http://schemas.openxmlformats.org/presentationml/2006/ole">
             <mc:AlternateContent xmlns:mc="http://schemas.openxmlformats.org/markup-compatibility/2006">
               <mc:Choice xmlns:v="urn:schemas-microsoft-com:vml" Requires="v">
-                <p:oleObj spid="_x0000_s34821" name="Drawing" r:id="rId4" imgW="1468800" imgH="1173600" progId="">
+                <p:oleObj spid="_x0000_s34822" name="Drawing" r:id="rId4" imgW="1468800" imgH="1173600" progId="">
                   <p:embed/>
                 </p:oleObj>
               </mc:Choice>
@@ -13254,7 +13247,7 @@
           <p:cNvPr id="7" name="TextBox 2">
             <a:extLst>
               <a:ext uri="{FF2B5EF4-FFF2-40B4-BE49-F238E27FC236}">
-                <a16:creationId xmlns:a16="http://schemas.microsoft.com/office/drawing/2014/main" id="{36D9D90E-E44E-4310-8BDA-F2087D885FDF}"/>
+                <a16:creationId xmlns:a16="http://schemas.microsoft.com/office/drawing/2014/main" xmlns="" id="{36D9D90E-E44E-4310-8BDA-F2087D885FDF}"/>
               </a:ext>
             </a:extLst>
           </p:cNvPr>
@@ -13354,7 +13347,7 @@
           <p:cNvPr id="8" name="TextBox 3">
             <a:extLst>
               <a:ext uri="{FF2B5EF4-FFF2-40B4-BE49-F238E27FC236}">
-                <a16:creationId xmlns:a16="http://schemas.microsoft.com/office/drawing/2014/main" id="{B8BD0AAA-30D6-494D-A3C5-A540307E3E36}"/>
+                <a16:creationId xmlns:a16="http://schemas.microsoft.com/office/drawing/2014/main" xmlns="" id="{B8BD0AAA-30D6-494D-A3C5-A540307E3E36}"/>
               </a:ext>
             </a:extLst>
           </p:cNvPr>
@@ -13598,135 +13591,6 @@
             <a:r>
               <a:rPr lang="en-US" altLang="zh-CN" sz="1200" dirty="0"/>
               <a:t>}</a:t>
-            </a:r>
-            <a:endParaRPr lang="zh-CN" altLang="en-US" sz="1200" dirty="0"/>
-          </a:p>
-        </p:txBody>
-      </p:sp>
-      <p:sp>
-        <p:nvSpPr>
-          <p:cNvPr id="9" name="TextBox 3">
-            <a:extLst>
-              <a:ext uri="{FF2B5EF4-FFF2-40B4-BE49-F238E27FC236}">
-                <a16:creationId xmlns:a16="http://schemas.microsoft.com/office/drawing/2014/main" id="{B8BD0AAA-30D6-494D-A3C5-A540307E3E36}"/>
-              </a:ext>
-            </a:extLst>
-          </p:cNvPr>
-          <p:cNvSpPr txBox="1"/>
-          <p:nvPr/>
-        </p:nvSpPr>
-        <p:spPr>
-          <a:xfrm>
-            <a:off x="7274536" y="1133356"/>
-            <a:ext cx="4736912" cy="2400657"/>
-          </a:xfrm>
-          <a:prstGeom prst="rect">
-            <a:avLst/>
-          </a:prstGeom>
-          <a:noFill/>
-          <a:ln>
-            <a:solidFill>
-              <a:schemeClr val="bg1">
-                <a:lumMod val="85000"/>
-              </a:schemeClr>
-            </a:solidFill>
-          </a:ln>
-        </p:spPr>
-        <p:txBody>
-          <a:bodyPr wrap="square" rtlCol="0">
-            <a:spAutoFit/>
-          </a:bodyPr>
-          <a:lstStyle/>
-          <a:p>
-            <a:r>
-              <a:rPr lang="zh-CN" altLang="en-US" dirty="0">
-                <a:latin typeface="微软雅黑" panose="020B0503020204020204" pitchFamily="34" charset="-122"/>
-                <a:ea typeface="微软雅黑" panose="020B0503020204020204" pitchFamily="34" charset="-122"/>
-              </a:rPr>
-              <a:t>原方案：返回结果：</a:t>
-            </a:r>
-            <a:endParaRPr lang="en-US" altLang="zh-CN" dirty="0">
-              <a:latin typeface="微软雅黑" panose="020B0503020204020204" pitchFamily="34" charset="-122"/>
-              <a:ea typeface="微软雅黑" panose="020B0503020204020204" pitchFamily="34" charset="-122"/>
-            </a:endParaRPr>
-          </a:p>
-          <a:p>
-            <a:r>
-              <a:rPr lang="en-US" altLang="zh-CN" sz="1200" dirty="0"/>
-              <a:t>{</a:t>
-            </a:r>
-          </a:p>
-          <a:p>
-            <a:r>
-              <a:rPr lang="en-US" altLang="zh-CN" sz="1200" dirty="0"/>
-              <a:t>    </a:t>
-            </a:r>
-            <a:r>
-              <a:rPr lang="en-US" altLang="zh-CN" sz="1200" dirty="0" err="1"/>
-              <a:t>userId</a:t>
-            </a:r>
-            <a:endParaRPr lang="en-US" altLang="zh-CN" sz="1200" dirty="0"/>
-          </a:p>
-          <a:p>
-            <a:r>
-              <a:rPr lang="en-US" altLang="zh-CN" sz="1200" dirty="0"/>
-              <a:t>    username</a:t>
-            </a:r>
-          </a:p>
-          <a:p>
-            <a:r>
-              <a:rPr lang="en-US" altLang="zh-CN" sz="1200" dirty="0"/>
-              <a:t>    …</a:t>
-            </a:r>
-          </a:p>
-          <a:p>
-            <a:r>
-              <a:rPr lang="en-US" altLang="zh-CN" sz="1200" dirty="0"/>
-              <a:t>    roles</a:t>
-            </a:r>
-          </a:p>
-          <a:p>
-            <a:r>
-              <a:rPr lang="en-US" altLang="zh-CN" sz="1200" dirty="0"/>
-              <a:t>    permissions: {</a:t>
-            </a:r>
-          </a:p>
-          <a:p>
-            <a:r>
-              <a:rPr lang="en-US" altLang="zh-CN" sz="1200" dirty="0"/>
-              <a:t>       Ids: [“App/Menu/</a:t>
-            </a:r>
-            <a:r>
-              <a:rPr lang="en-US" altLang="zh-CN" sz="1200" dirty="0" err="1"/>
-              <a:t>SubMenu</a:t>
-            </a:r>
-            <a:r>
-              <a:rPr lang="en-US" altLang="zh-CN" sz="1200" dirty="0"/>
-              <a:t>/Button”,</a:t>
-            </a:r>
-          </a:p>
-          <a:p>
-            <a:r>
-              <a:rPr lang="en-US" altLang="zh-CN" sz="1200" dirty="0"/>
-              <a:t>              …]   </a:t>
-            </a:r>
-          </a:p>
-          <a:p>
-            <a:r>
-              <a:rPr lang="en-US" altLang="zh-CN" sz="1200" dirty="0"/>
-              <a:t>       </a:t>
-            </a:r>
-          </a:p>
-          <a:p>
-            <a:r>
-              <a:rPr lang="en-US" altLang="zh-CN" sz="1200" dirty="0"/>
-              <a:t>    }</a:t>
-            </a:r>
-          </a:p>
-          <a:p>
-            <a:r>
-              <a:rPr lang="en-US" altLang="zh-CN" sz="1200" dirty="0"/>
-              <a:t>    </a:t>
             </a:r>
             <a:endParaRPr lang="zh-CN" altLang="en-US" sz="1200" dirty="0"/>
           </a:p>
@@ -13801,7 +13665,7 @@
           <p:cNvPr id="10" name="Rectangle 3">
             <a:extLst>
               <a:ext uri="{FF2B5EF4-FFF2-40B4-BE49-F238E27FC236}">
-                <a16:creationId xmlns:a16="http://schemas.microsoft.com/office/drawing/2014/main" id="{326B8D9A-F0AE-4FBD-8631-A13A2C13540A}"/>
+                <a16:creationId xmlns:a16="http://schemas.microsoft.com/office/drawing/2014/main" xmlns="" id="{326B8D9A-F0AE-4FBD-8631-A13A2C13540A}"/>
               </a:ext>
             </a:extLst>
           </p:cNvPr>
@@ -13881,7 +13745,7 @@
           <p:cNvPr id="11" name="Rectangle 4">
             <a:extLst>
               <a:ext uri="{FF2B5EF4-FFF2-40B4-BE49-F238E27FC236}">
-                <a16:creationId xmlns:a16="http://schemas.microsoft.com/office/drawing/2014/main" id="{351BFB24-C0A4-4A7E-8DFE-E266408C0246}"/>
+                <a16:creationId xmlns:a16="http://schemas.microsoft.com/office/drawing/2014/main" xmlns="" id="{351BFB24-C0A4-4A7E-8DFE-E266408C0246}"/>
               </a:ext>
             </a:extLst>
           </p:cNvPr>
@@ -13958,7 +13822,7 @@
           <p:cNvPr id="13" name="Rectangle 6">
             <a:extLst>
               <a:ext uri="{FF2B5EF4-FFF2-40B4-BE49-F238E27FC236}">
-                <a16:creationId xmlns:a16="http://schemas.microsoft.com/office/drawing/2014/main" id="{3208D77B-6D48-41EC-A155-5AC333462D5A}"/>
+                <a16:creationId xmlns:a16="http://schemas.microsoft.com/office/drawing/2014/main" xmlns="" id="{3208D77B-6D48-41EC-A155-5AC333462D5A}"/>
               </a:ext>
             </a:extLst>
           </p:cNvPr>
@@ -14085,7 +13949,7 @@
           <p:cNvPr id="15" name="Rectangle 7">
             <a:extLst>
               <a:ext uri="{FF2B5EF4-FFF2-40B4-BE49-F238E27FC236}">
-                <a16:creationId xmlns:a16="http://schemas.microsoft.com/office/drawing/2014/main" id="{EA7C22B2-7AB0-4E5B-9987-88D7DF4DD3C2}"/>
+                <a16:creationId xmlns:a16="http://schemas.microsoft.com/office/drawing/2014/main" xmlns="" id="{EA7C22B2-7AB0-4E5B-9987-88D7DF4DD3C2}"/>
               </a:ext>
             </a:extLst>
           </p:cNvPr>
@@ -14204,7 +14068,7 @@
           <p:cNvPr id="19" name="Rectangle 8">
             <a:extLst>
               <a:ext uri="{FF2B5EF4-FFF2-40B4-BE49-F238E27FC236}">
-                <a16:creationId xmlns:a16="http://schemas.microsoft.com/office/drawing/2014/main" id="{F5BF2FD4-8D34-4DAB-AF15-7B8EAA4C8D69}"/>
+                <a16:creationId xmlns:a16="http://schemas.microsoft.com/office/drawing/2014/main" xmlns="" id="{F5BF2FD4-8D34-4DAB-AF15-7B8EAA4C8D69}"/>
               </a:ext>
             </a:extLst>
           </p:cNvPr>
@@ -14303,7 +14167,7 @@
           <p:cNvPr id="20" name="Rectangle 9">
             <a:extLst>
               <a:ext uri="{FF2B5EF4-FFF2-40B4-BE49-F238E27FC236}">
-                <a16:creationId xmlns:a16="http://schemas.microsoft.com/office/drawing/2014/main" id="{24420C7F-7A80-4196-B788-D8E6AF7291C4}"/>
+                <a16:creationId xmlns:a16="http://schemas.microsoft.com/office/drawing/2014/main" xmlns="" id="{24420C7F-7A80-4196-B788-D8E6AF7291C4}"/>
               </a:ext>
             </a:extLst>
           </p:cNvPr>
@@ -14397,7 +14261,7 @@
           <p:cNvPr id="21" name="Straight Arrow Connector 11">
             <a:extLst>
               <a:ext uri="{FF2B5EF4-FFF2-40B4-BE49-F238E27FC236}">
-                <a16:creationId xmlns:a16="http://schemas.microsoft.com/office/drawing/2014/main" id="{DE60CE4F-E248-4C27-9E02-6F26CA2DBDCF}"/>
+                <a16:creationId xmlns:a16="http://schemas.microsoft.com/office/drawing/2014/main" xmlns="" id="{DE60CE4F-E248-4C27-9E02-6F26CA2DBDCF}"/>
               </a:ext>
             </a:extLst>
           </p:cNvPr>
@@ -14440,7 +14304,7 @@
           <p:cNvPr id="22" name="Straight Arrow Connector 14">
             <a:extLst>
               <a:ext uri="{FF2B5EF4-FFF2-40B4-BE49-F238E27FC236}">
-                <a16:creationId xmlns:a16="http://schemas.microsoft.com/office/drawing/2014/main" id="{FBE76EEF-1E39-4C4E-85EC-0145A135B2CB}"/>
+                <a16:creationId xmlns:a16="http://schemas.microsoft.com/office/drawing/2014/main" xmlns="" id="{FBE76EEF-1E39-4C4E-85EC-0145A135B2CB}"/>
               </a:ext>
             </a:extLst>
           </p:cNvPr>
@@ -14483,7 +14347,7 @@
           <p:cNvPr id="23" name="Straight Arrow Connector 18">
             <a:extLst>
               <a:ext uri="{FF2B5EF4-FFF2-40B4-BE49-F238E27FC236}">
-                <a16:creationId xmlns:a16="http://schemas.microsoft.com/office/drawing/2014/main" id="{67AF3129-8C7A-48DF-A288-E64284A34613}"/>
+                <a16:creationId xmlns:a16="http://schemas.microsoft.com/office/drawing/2014/main" xmlns="" id="{67AF3129-8C7A-48DF-A288-E64284A34613}"/>
               </a:ext>
             </a:extLst>
           </p:cNvPr>
@@ -14526,7 +14390,7 @@
           <p:cNvPr id="24" name="Straight Arrow Connector 20">
             <a:extLst>
               <a:ext uri="{FF2B5EF4-FFF2-40B4-BE49-F238E27FC236}">
-                <a16:creationId xmlns:a16="http://schemas.microsoft.com/office/drawing/2014/main" id="{343D89C8-DF0C-4FF2-B619-7E6450244B29}"/>
+                <a16:creationId xmlns:a16="http://schemas.microsoft.com/office/drawing/2014/main" xmlns="" id="{343D89C8-DF0C-4FF2-B619-7E6450244B29}"/>
               </a:ext>
             </a:extLst>
           </p:cNvPr>
@@ -14569,7 +14433,7 @@
           <p:cNvPr id="25" name="Rectangle: Rounded Corners 28">
             <a:extLst>
               <a:ext uri="{FF2B5EF4-FFF2-40B4-BE49-F238E27FC236}">
-                <a16:creationId xmlns:a16="http://schemas.microsoft.com/office/drawing/2014/main" id="{23BEDED2-A99A-44C8-BA39-0E22367F2A72}"/>
+                <a16:creationId xmlns:a16="http://schemas.microsoft.com/office/drawing/2014/main" xmlns="" id="{23BEDED2-A99A-44C8-BA39-0E22367F2A72}"/>
               </a:ext>
             </a:extLst>
           </p:cNvPr>
@@ -14626,7 +14490,7 @@
           <p:cNvPr id="26" name="Rectangle: Rounded Corners 29">
             <a:extLst>
               <a:ext uri="{FF2B5EF4-FFF2-40B4-BE49-F238E27FC236}">
-                <a16:creationId xmlns:a16="http://schemas.microsoft.com/office/drawing/2014/main" id="{C2CA9F8F-51F0-457F-8CC0-89328CB6221D}"/>
+                <a16:creationId xmlns:a16="http://schemas.microsoft.com/office/drawing/2014/main" xmlns="" id="{C2CA9F8F-51F0-457F-8CC0-89328CB6221D}"/>
               </a:ext>
             </a:extLst>
           </p:cNvPr>
@@ -14678,7 +14542,7 @@
           <p:cNvPr id="27" name="Rectangle: Rounded Corners 34">
             <a:extLst>
               <a:ext uri="{FF2B5EF4-FFF2-40B4-BE49-F238E27FC236}">
-                <a16:creationId xmlns:a16="http://schemas.microsoft.com/office/drawing/2014/main" id="{45093CA0-C46C-40F6-B3BD-DBBD5E41F1BD}"/>
+                <a16:creationId xmlns:a16="http://schemas.microsoft.com/office/drawing/2014/main" xmlns="" id="{45093CA0-C46C-40F6-B3BD-DBBD5E41F1BD}"/>
               </a:ext>
             </a:extLst>
           </p:cNvPr>
@@ -14730,7 +14594,7 @@
           <p:cNvPr id="28" name="Connector: Curved 36">
             <a:extLst>
               <a:ext uri="{FF2B5EF4-FFF2-40B4-BE49-F238E27FC236}">
-                <a16:creationId xmlns:a16="http://schemas.microsoft.com/office/drawing/2014/main" id="{9B89D0F4-CC30-43CA-A880-BC571216972E}"/>
+                <a16:creationId xmlns:a16="http://schemas.microsoft.com/office/drawing/2014/main" xmlns="" id="{9B89D0F4-CC30-43CA-A880-BC571216972E}"/>
               </a:ext>
             </a:extLst>
           </p:cNvPr>
@@ -14773,7 +14637,7 @@
           <p:cNvPr id="29" name="Flowchart: Connector 46">
             <a:extLst>
               <a:ext uri="{FF2B5EF4-FFF2-40B4-BE49-F238E27FC236}">
-                <a16:creationId xmlns:a16="http://schemas.microsoft.com/office/drawing/2014/main" id="{C4FF6B04-E210-4AED-8D10-EB351DA5E9CB}"/>
+                <a16:creationId xmlns:a16="http://schemas.microsoft.com/office/drawing/2014/main" xmlns="" id="{C4FF6B04-E210-4AED-8D10-EB351DA5E9CB}"/>
               </a:ext>
             </a:extLst>
           </p:cNvPr>
@@ -14823,7 +14687,7 @@
           <p:cNvPr id="30" name="Flowchart: Connector 47">
             <a:extLst>
               <a:ext uri="{FF2B5EF4-FFF2-40B4-BE49-F238E27FC236}">
-                <a16:creationId xmlns:a16="http://schemas.microsoft.com/office/drawing/2014/main" id="{73151C4C-5305-4E51-9DDC-5BF2D0623546}"/>
+                <a16:creationId xmlns:a16="http://schemas.microsoft.com/office/drawing/2014/main" xmlns="" id="{73151C4C-5305-4E51-9DDC-5BF2D0623546}"/>
               </a:ext>
             </a:extLst>
           </p:cNvPr>
@@ -14873,7 +14737,7 @@
           <p:cNvPr id="31" name="Flowchart: Connector 48">
             <a:extLst>
               <a:ext uri="{FF2B5EF4-FFF2-40B4-BE49-F238E27FC236}">
-                <a16:creationId xmlns:a16="http://schemas.microsoft.com/office/drawing/2014/main" id="{B36D41AA-D565-4856-A213-68F23773D501}"/>
+                <a16:creationId xmlns:a16="http://schemas.microsoft.com/office/drawing/2014/main" xmlns="" id="{B36D41AA-D565-4856-A213-68F23773D501}"/>
               </a:ext>
             </a:extLst>
           </p:cNvPr>
@@ -14923,7 +14787,7 @@
           <p:cNvPr id="32" name="Connector: Curved 53">
             <a:extLst>
               <a:ext uri="{FF2B5EF4-FFF2-40B4-BE49-F238E27FC236}">
-                <a16:creationId xmlns:a16="http://schemas.microsoft.com/office/drawing/2014/main" id="{ED0A541E-8D30-4E92-A423-BB6012D85EEE}"/>
+                <a16:creationId xmlns:a16="http://schemas.microsoft.com/office/drawing/2014/main" xmlns="" id="{ED0A541E-8D30-4E92-A423-BB6012D85EEE}"/>
               </a:ext>
             </a:extLst>
           </p:cNvPr>
@@ -14968,7 +14832,7 @@
           <p:cNvPr id="33" name="Connector: Curved 56">
             <a:extLst>
               <a:ext uri="{FF2B5EF4-FFF2-40B4-BE49-F238E27FC236}">
-                <a16:creationId xmlns:a16="http://schemas.microsoft.com/office/drawing/2014/main" id="{2F472560-C161-4B6F-9E68-AF57C45ECF7F}"/>
+                <a16:creationId xmlns:a16="http://schemas.microsoft.com/office/drawing/2014/main" xmlns="" id="{2F472560-C161-4B6F-9E68-AF57C45ECF7F}"/>
               </a:ext>
             </a:extLst>
           </p:cNvPr>
@@ -15012,7 +14876,7 @@
           <p:cNvPr id="34" name="Arrow: Curved Up 77">
             <a:extLst>
               <a:ext uri="{FF2B5EF4-FFF2-40B4-BE49-F238E27FC236}">
-                <a16:creationId xmlns:a16="http://schemas.microsoft.com/office/drawing/2014/main" id="{5ACA65DF-E62F-4D96-97E5-F76C9AEE0E16}"/>
+                <a16:creationId xmlns:a16="http://schemas.microsoft.com/office/drawing/2014/main" xmlns="" id="{5ACA65DF-E62F-4D96-97E5-F76C9AEE0E16}"/>
               </a:ext>
             </a:extLst>
           </p:cNvPr>
@@ -15062,7 +14926,7 @@
           <p:cNvPr id="35" name="Arrow: Curved Up 78">
             <a:extLst>
               <a:ext uri="{FF2B5EF4-FFF2-40B4-BE49-F238E27FC236}">
-                <a16:creationId xmlns:a16="http://schemas.microsoft.com/office/drawing/2014/main" id="{B85EFB3B-7A6A-40AF-B2F8-443B7BCB3D9F}"/>
+                <a16:creationId xmlns:a16="http://schemas.microsoft.com/office/drawing/2014/main" xmlns="" id="{B85EFB3B-7A6A-40AF-B2F8-443B7BCB3D9F}"/>
               </a:ext>
             </a:extLst>
           </p:cNvPr>
@@ -15116,7 +14980,7 @@
           <p:cNvPr id="36" name="Flowchart: Connector 82">
             <a:extLst>
               <a:ext uri="{FF2B5EF4-FFF2-40B4-BE49-F238E27FC236}">
-                <a16:creationId xmlns:a16="http://schemas.microsoft.com/office/drawing/2014/main" id="{217E79F9-64C8-4DAD-B6A5-1C8B264FBBBD}"/>
+                <a16:creationId xmlns:a16="http://schemas.microsoft.com/office/drawing/2014/main" xmlns="" id="{217E79F9-64C8-4DAD-B6A5-1C8B264FBBBD}"/>
               </a:ext>
             </a:extLst>
           </p:cNvPr>
@@ -15166,7 +15030,7 @@
           <p:cNvPr id="37" name="Straight Arrow Connector 112">
             <a:extLst>
               <a:ext uri="{FF2B5EF4-FFF2-40B4-BE49-F238E27FC236}">
-                <a16:creationId xmlns:a16="http://schemas.microsoft.com/office/drawing/2014/main" id="{3C7A15F1-22B4-4B8F-8CBE-AB3E71ED84C0}"/>
+                <a16:creationId xmlns:a16="http://schemas.microsoft.com/office/drawing/2014/main" xmlns="" id="{3C7A15F1-22B4-4B8F-8CBE-AB3E71ED84C0}"/>
               </a:ext>
             </a:extLst>
           </p:cNvPr>
@@ -15208,7 +15072,7 @@
           <p:cNvPr id="38" name="Flowchart: Magnetic Disk 113">
             <a:extLst>
               <a:ext uri="{FF2B5EF4-FFF2-40B4-BE49-F238E27FC236}">
-                <a16:creationId xmlns:a16="http://schemas.microsoft.com/office/drawing/2014/main" id="{2B704D7F-EFF5-4D39-AA2B-B5BDBFB9EE66}"/>
+                <a16:creationId xmlns:a16="http://schemas.microsoft.com/office/drawing/2014/main" xmlns="" id="{2B704D7F-EFF5-4D39-AA2B-B5BDBFB9EE66}"/>
               </a:ext>
             </a:extLst>
           </p:cNvPr>
@@ -15277,7 +15141,7 @@
           <p:cNvPr id="39" name="Straight Arrow Connector 134">
             <a:extLst>
               <a:ext uri="{FF2B5EF4-FFF2-40B4-BE49-F238E27FC236}">
-                <a16:creationId xmlns:a16="http://schemas.microsoft.com/office/drawing/2014/main" id="{A12FEF9A-4A65-4401-93E3-41F5316D26F7}"/>
+                <a16:creationId xmlns:a16="http://schemas.microsoft.com/office/drawing/2014/main" xmlns="" id="{A12FEF9A-4A65-4401-93E3-41F5316D26F7}"/>
               </a:ext>
             </a:extLst>
           </p:cNvPr>
@@ -15319,7 +15183,7 @@
           <p:cNvPr id="40" name="TextBox 142">
             <a:extLst>
               <a:ext uri="{FF2B5EF4-FFF2-40B4-BE49-F238E27FC236}">
-                <a16:creationId xmlns:a16="http://schemas.microsoft.com/office/drawing/2014/main" id="{31A20C56-68B5-4855-BBCA-2E27F7C9E256}"/>
+                <a16:creationId xmlns:a16="http://schemas.microsoft.com/office/drawing/2014/main" xmlns="" id="{31A20C56-68B5-4855-BBCA-2E27F7C9E256}"/>
               </a:ext>
             </a:extLst>
           </p:cNvPr>
@@ -15374,7 +15238,7 @@
           <p:cNvPr id="41" name="TextBox 2">
             <a:extLst>
               <a:ext uri="{FF2B5EF4-FFF2-40B4-BE49-F238E27FC236}">
-                <a16:creationId xmlns:a16="http://schemas.microsoft.com/office/drawing/2014/main" id="{32904B79-D116-4727-908C-18DA18E6C491}"/>
+                <a16:creationId xmlns:a16="http://schemas.microsoft.com/office/drawing/2014/main" xmlns="" id="{32904B79-D116-4727-908C-18DA18E6C491}"/>
               </a:ext>
             </a:extLst>
           </p:cNvPr>
@@ -15574,7 +15438,7 @@
           <p:cNvPr id="42" name="Straight Arrow Connector 16">
             <a:extLst>
               <a:ext uri="{FF2B5EF4-FFF2-40B4-BE49-F238E27FC236}">
-                <a16:creationId xmlns:a16="http://schemas.microsoft.com/office/drawing/2014/main" id="{74772B8E-6133-4B5F-9B19-A34052BFBA9B}"/>
+                <a16:creationId xmlns:a16="http://schemas.microsoft.com/office/drawing/2014/main" xmlns="" id="{74772B8E-6133-4B5F-9B19-A34052BFBA9B}"/>
               </a:ext>
             </a:extLst>
           </p:cNvPr>
@@ -15615,7 +15479,7 @@
           <p:cNvPr id="43" name="Flowchart: Connector 49">
             <a:extLst>
               <a:ext uri="{FF2B5EF4-FFF2-40B4-BE49-F238E27FC236}">
-                <a16:creationId xmlns:a16="http://schemas.microsoft.com/office/drawing/2014/main" id="{6691528D-29AE-418B-B26B-AD1925475E80}"/>
+                <a16:creationId xmlns:a16="http://schemas.microsoft.com/office/drawing/2014/main" xmlns="" id="{6691528D-29AE-418B-B26B-AD1925475E80}"/>
               </a:ext>
             </a:extLst>
           </p:cNvPr>
@@ -15665,7 +15529,7 @@
           <p:cNvPr id="44" name="Rectangle 4">
             <a:extLst>
               <a:ext uri="{FF2B5EF4-FFF2-40B4-BE49-F238E27FC236}">
-                <a16:creationId xmlns:a16="http://schemas.microsoft.com/office/drawing/2014/main" id="{351BFB24-C0A4-4A7E-8DFE-E266408C0246}"/>
+                <a16:creationId xmlns:a16="http://schemas.microsoft.com/office/drawing/2014/main" xmlns="" id="{351BFB24-C0A4-4A7E-8DFE-E266408C0246}"/>
               </a:ext>
             </a:extLst>
           </p:cNvPr>
@@ -15781,7 +15645,7 @@
           <p:cNvPr id="46" name="Rectangle 4">
             <a:extLst>
               <a:ext uri="{FF2B5EF4-FFF2-40B4-BE49-F238E27FC236}">
-                <a16:creationId xmlns:a16="http://schemas.microsoft.com/office/drawing/2014/main" id="{1F4D63AE-597D-465F-B5B2-2CC3593D6B17}"/>
+                <a16:creationId xmlns:a16="http://schemas.microsoft.com/office/drawing/2014/main" xmlns="" id="{1F4D63AE-597D-465F-B5B2-2CC3593D6B17}"/>
               </a:ext>
             </a:extLst>
           </p:cNvPr>
@@ -15841,7 +15705,7 @@
           <p:cNvPr id="47" name="Straight Arrow Connector 40">
             <a:extLst>
               <a:ext uri="{FF2B5EF4-FFF2-40B4-BE49-F238E27FC236}">
-                <a16:creationId xmlns:a16="http://schemas.microsoft.com/office/drawing/2014/main" id="{DB147E27-687C-4F38-B336-E7067B4C2549}"/>
+                <a16:creationId xmlns:a16="http://schemas.microsoft.com/office/drawing/2014/main" xmlns="" id="{DB147E27-687C-4F38-B336-E7067B4C2549}"/>
               </a:ext>
             </a:extLst>
           </p:cNvPr>
@@ -16000,7 +15864,7 @@
           <p:cNvPr id="51" name="Rectangle 8">
             <a:extLst>
               <a:ext uri="{FF2B5EF4-FFF2-40B4-BE49-F238E27FC236}">
-                <a16:creationId xmlns:a16="http://schemas.microsoft.com/office/drawing/2014/main" id="{F5BF2FD4-8D34-4DAB-AF15-7B8EAA4C8D69}"/>
+                <a16:creationId xmlns:a16="http://schemas.microsoft.com/office/drawing/2014/main" xmlns="" id="{F5BF2FD4-8D34-4DAB-AF15-7B8EAA4C8D69}"/>
               </a:ext>
             </a:extLst>
           </p:cNvPr>
@@ -16154,7 +16018,7 @@
           <p:cNvPr id="52" name="Rectangle 3">
             <a:extLst>
               <a:ext uri="{FF2B5EF4-FFF2-40B4-BE49-F238E27FC236}">
-                <a16:creationId xmlns:a16="http://schemas.microsoft.com/office/drawing/2014/main" id="{326B8D9A-F0AE-4FBD-8631-A13A2C13540A}"/>
+                <a16:creationId xmlns:a16="http://schemas.microsoft.com/office/drawing/2014/main" xmlns="" id="{326B8D9A-F0AE-4FBD-8631-A13A2C13540A}"/>
               </a:ext>
             </a:extLst>
           </p:cNvPr>
@@ -16234,7 +16098,7 @@
           <p:cNvPr id="53" name="Rectangle 6">
             <a:extLst>
               <a:ext uri="{FF2B5EF4-FFF2-40B4-BE49-F238E27FC236}">
-                <a16:creationId xmlns:a16="http://schemas.microsoft.com/office/drawing/2014/main" id="{3208D77B-6D48-41EC-A155-5AC333462D5A}"/>
+                <a16:creationId xmlns:a16="http://schemas.microsoft.com/office/drawing/2014/main" xmlns="" id="{3208D77B-6D48-41EC-A155-5AC333462D5A}"/>
               </a:ext>
             </a:extLst>
           </p:cNvPr>
@@ -16361,7 +16225,7 @@
           <p:cNvPr id="54" name="Rectangle 7">
             <a:extLst>
               <a:ext uri="{FF2B5EF4-FFF2-40B4-BE49-F238E27FC236}">
-                <a16:creationId xmlns:a16="http://schemas.microsoft.com/office/drawing/2014/main" id="{EA7C22B2-7AB0-4E5B-9987-88D7DF4DD3C2}"/>
+                <a16:creationId xmlns:a16="http://schemas.microsoft.com/office/drawing/2014/main" xmlns="" id="{EA7C22B2-7AB0-4E5B-9987-88D7DF4DD3C2}"/>
               </a:ext>
             </a:extLst>
           </p:cNvPr>
@@ -16463,7 +16327,7 @@
           <p:cNvPr id="55" name="Rectangle 8">
             <a:extLst>
               <a:ext uri="{FF2B5EF4-FFF2-40B4-BE49-F238E27FC236}">
-                <a16:creationId xmlns:a16="http://schemas.microsoft.com/office/drawing/2014/main" id="{F5BF2FD4-8D34-4DAB-AF15-7B8EAA4C8D69}"/>
+                <a16:creationId xmlns:a16="http://schemas.microsoft.com/office/drawing/2014/main" xmlns="" id="{F5BF2FD4-8D34-4DAB-AF15-7B8EAA4C8D69}"/>
               </a:ext>
             </a:extLst>
           </p:cNvPr>
@@ -16562,7 +16426,7 @@
           <p:cNvPr id="56" name="Rectangle 9">
             <a:extLst>
               <a:ext uri="{FF2B5EF4-FFF2-40B4-BE49-F238E27FC236}">
-                <a16:creationId xmlns:a16="http://schemas.microsoft.com/office/drawing/2014/main" id="{24420C7F-7A80-4196-B788-D8E6AF7291C4}"/>
+                <a16:creationId xmlns:a16="http://schemas.microsoft.com/office/drawing/2014/main" xmlns="" id="{24420C7F-7A80-4196-B788-D8E6AF7291C4}"/>
               </a:ext>
             </a:extLst>
           </p:cNvPr>
@@ -16656,7 +16520,7 @@
           <p:cNvPr id="57" name="Straight Arrow Connector 11">
             <a:extLst>
               <a:ext uri="{FF2B5EF4-FFF2-40B4-BE49-F238E27FC236}">
-                <a16:creationId xmlns:a16="http://schemas.microsoft.com/office/drawing/2014/main" id="{DE60CE4F-E248-4C27-9E02-6F26CA2DBDCF}"/>
+                <a16:creationId xmlns:a16="http://schemas.microsoft.com/office/drawing/2014/main" xmlns="" id="{DE60CE4F-E248-4C27-9E02-6F26CA2DBDCF}"/>
               </a:ext>
             </a:extLst>
           </p:cNvPr>
@@ -16699,7 +16563,7 @@
           <p:cNvPr id="58" name="Straight Arrow Connector 14">
             <a:extLst>
               <a:ext uri="{FF2B5EF4-FFF2-40B4-BE49-F238E27FC236}">
-                <a16:creationId xmlns:a16="http://schemas.microsoft.com/office/drawing/2014/main" id="{FBE76EEF-1E39-4C4E-85EC-0145A135B2CB}"/>
+                <a16:creationId xmlns:a16="http://schemas.microsoft.com/office/drawing/2014/main" xmlns="" id="{FBE76EEF-1E39-4C4E-85EC-0145A135B2CB}"/>
               </a:ext>
             </a:extLst>
           </p:cNvPr>
@@ -16742,7 +16606,7 @@
           <p:cNvPr id="59" name="Straight Arrow Connector 18">
             <a:extLst>
               <a:ext uri="{FF2B5EF4-FFF2-40B4-BE49-F238E27FC236}">
-                <a16:creationId xmlns:a16="http://schemas.microsoft.com/office/drawing/2014/main" id="{67AF3129-8C7A-48DF-A288-E64284A34613}"/>
+                <a16:creationId xmlns:a16="http://schemas.microsoft.com/office/drawing/2014/main" xmlns="" id="{67AF3129-8C7A-48DF-A288-E64284A34613}"/>
               </a:ext>
             </a:extLst>
           </p:cNvPr>
@@ -16785,7 +16649,7 @@
           <p:cNvPr id="60" name="Straight Arrow Connector 20">
             <a:extLst>
               <a:ext uri="{FF2B5EF4-FFF2-40B4-BE49-F238E27FC236}">
-                <a16:creationId xmlns:a16="http://schemas.microsoft.com/office/drawing/2014/main" id="{343D89C8-DF0C-4FF2-B619-7E6450244B29}"/>
+                <a16:creationId xmlns:a16="http://schemas.microsoft.com/office/drawing/2014/main" xmlns="" id="{343D89C8-DF0C-4FF2-B619-7E6450244B29}"/>
               </a:ext>
             </a:extLst>
           </p:cNvPr>
@@ -16828,7 +16692,7 @@
           <p:cNvPr id="61" name="Rectangle: Rounded Corners 29">
             <a:extLst>
               <a:ext uri="{FF2B5EF4-FFF2-40B4-BE49-F238E27FC236}">
-                <a16:creationId xmlns:a16="http://schemas.microsoft.com/office/drawing/2014/main" id="{C2CA9F8F-51F0-457F-8CC0-89328CB6221D}"/>
+                <a16:creationId xmlns:a16="http://schemas.microsoft.com/office/drawing/2014/main" xmlns="" id="{C2CA9F8F-51F0-457F-8CC0-89328CB6221D}"/>
               </a:ext>
             </a:extLst>
           </p:cNvPr>
@@ -16878,7 +16742,7 @@
           <p:cNvPr id="62" name="Flowchart: Connector 46">
             <a:extLst>
               <a:ext uri="{FF2B5EF4-FFF2-40B4-BE49-F238E27FC236}">
-                <a16:creationId xmlns:a16="http://schemas.microsoft.com/office/drawing/2014/main" id="{C4FF6B04-E210-4AED-8D10-EB351DA5E9CB}"/>
+                <a16:creationId xmlns:a16="http://schemas.microsoft.com/office/drawing/2014/main" xmlns="" id="{C4FF6B04-E210-4AED-8D10-EB351DA5E9CB}"/>
               </a:ext>
             </a:extLst>
           </p:cNvPr>
@@ -16928,7 +16792,7 @@
           <p:cNvPr id="63" name="Flowchart: Connector 47">
             <a:extLst>
               <a:ext uri="{FF2B5EF4-FFF2-40B4-BE49-F238E27FC236}">
-                <a16:creationId xmlns:a16="http://schemas.microsoft.com/office/drawing/2014/main" id="{73151C4C-5305-4E51-9DDC-5BF2D0623546}"/>
+                <a16:creationId xmlns:a16="http://schemas.microsoft.com/office/drawing/2014/main" xmlns="" id="{73151C4C-5305-4E51-9DDC-5BF2D0623546}"/>
               </a:ext>
             </a:extLst>
           </p:cNvPr>
@@ -16978,7 +16842,7 @@
           <p:cNvPr id="64" name="Flowchart: Connector 48">
             <a:extLst>
               <a:ext uri="{FF2B5EF4-FFF2-40B4-BE49-F238E27FC236}">
-                <a16:creationId xmlns:a16="http://schemas.microsoft.com/office/drawing/2014/main" id="{B36D41AA-D565-4856-A213-68F23773D501}"/>
+                <a16:creationId xmlns:a16="http://schemas.microsoft.com/office/drawing/2014/main" xmlns="" id="{B36D41AA-D565-4856-A213-68F23773D501}"/>
               </a:ext>
             </a:extLst>
           </p:cNvPr>
@@ -17028,7 +16892,7 @@
           <p:cNvPr id="65" name="Connector: Curved 53">
             <a:extLst>
               <a:ext uri="{FF2B5EF4-FFF2-40B4-BE49-F238E27FC236}">
-                <a16:creationId xmlns:a16="http://schemas.microsoft.com/office/drawing/2014/main" id="{ED0A541E-8D30-4E92-A423-BB6012D85EEE}"/>
+                <a16:creationId xmlns:a16="http://schemas.microsoft.com/office/drawing/2014/main" xmlns="" id="{ED0A541E-8D30-4E92-A423-BB6012D85EEE}"/>
               </a:ext>
             </a:extLst>
           </p:cNvPr>
@@ -17073,7 +16937,7 @@
           <p:cNvPr id="66" name="Arrow: Curved Up 77">
             <a:extLst>
               <a:ext uri="{FF2B5EF4-FFF2-40B4-BE49-F238E27FC236}">
-                <a16:creationId xmlns:a16="http://schemas.microsoft.com/office/drawing/2014/main" id="{5ACA65DF-E62F-4D96-97E5-F76C9AEE0E16}"/>
+                <a16:creationId xmlns:a16="http://schemas.microsoft.com/office/drawing/2014/main" xmlns="" id="{5ACA65DF-E62F-4D96-97E5-F76C9AEE0E16}"/>
               </a:ext>
             </a:extLst>
           </p:cNvPr>
@@ -17123,7 +16987,7 @@
           <p:cNvPr id="67" name="Arrow: Curved Up 78">
             <a:extLst>
               <a:ext uri="{FF2B5EF4-FFF2-40B4-BE49-F238E27FC236}">
-                <a16:creationId xmlns:a16="http://schemas.microsoft.com/office/drawing/2014/main" id="{B85EFB3B-7A6A-40AF-B2F8-443B7BCB3D9F}"/>
+                <a16:creationId xmlns:a16="http://schemas.microsoft.com/office/drawing/2014/main" xmlns="" id="{B85EFB3B-7A6A-40AF-B2F8-443B7BCB3D9F}"/>
               </a:ext>
             </a:extLst>
           </p:cNvPr>
@@ -17177,7 +17041,7 @@
           <p:cNvPr id="68" name="Flowchart: Connector 82">
             <a:extLst>
               <a:ext uri="{FF2B5EF4-FFF2-40B4-BE49-F238E27FC236}">
-                <a16:creationId xmlns:a16="http://schemas.microsoft.com/office/drawing/2014/main" id="{217E79F9-64C8-4DAD-B6A5-1C8B264FBBBD}"/>
+                <a16:creationId xmlns:a16="http://schemas.microsoft.com/office/drawing/2014/main" xmlns="" id="{217E79F9-64C8-4DAD-B6A5-1C8B264FBBBD}"/>
               </a:ext>
             </a:extLst>
           </p:cNvPr>
@@ -17227,7 +17091,7 @@
           <p:cNvPr id="69" name="Straight Arrow Connector 112">
             <a:extLst>
               <a:ext uri="{FF2B5EF4-FFF2-40B4-BE49-F238E27FC236}">
-                <a16:creationId xmlns:a16="http://schemas.microsoft.com/office/drawing/2014/main" id="{3C7A15F1-22B4-4B8F-8CBE-AB3E71ED84C0}"/>
+                <a16:creationId xmlns:a16="http://schemas.microsoft.com/office/drawing/2014/main" xmlns="" id="{3C7A15F1-22B4-4B8F-8CBE-AB3E71ED84C0}"/>
               </a:ext>
             </a:extLst>
           </p:cNvPr>
@@ -17270,7 +17134,7 @@
           <p:cNvPr id="70" name="Flowchart: Magnetic Disk 113">
             <a:extLst>
               <a:ext uri="{FF2B5EF4-FFF2-40B4-BE49-F238E27FC236}">
-                <a16:creationId xmlns:a16="http://schemas.microsoft.com/office/drawing/2014/main" id="{2B704D7F-EFF5-4D39-AA2B-B5BDBFB9EE66}"/>
+                <a16:creationId xmlns:a16="http://schemas.microsoft.com/office/drawing/2014/main" xmlns="" id="{2B704D7F-EFF5-4D39-AA2B-B5BDBFB9EE66}"/>
               </a:ext>
             </a:extLst>
           </p:cNvPr>
@@ -17327,7 +17191,7 @@
           <p:cNvPr id="71" name="Straight Arrow Connector 134">
             <a:extLst>
               <a:ext uri="{FF2B5EF4-FFF2-40B4-BE49-F238E27FC236}">
-                <a16:creationId xmlns:a16="http://schemas.microsoft.com/office/drawing/2014/main" id="{A12FEF9A-4A65-4401-93E3-41F5316D26F7}"/>
+                <a16:creationId xmlns:a16="http://schemas.microsoft.com/office/drawing/2014/main" xmlns="" id="{A12FEF9A-4A65-4401-93E3-41F5316D26F7}"/>
               </a:ext>
             </a:extLst>
           </p:cNvPr>
@@ -17370,7 +17234,7 @@
           <p:cNvPr id="72" name="Straight Arrow Connector 138">
             <a:extLst>
               <a:ext uri="{FF2B5EF4-FFF2-40B4-BE49-F238E27FC236}">
-                <a16:creationId xmlns:a16="http://schemas.microsoft.com/office/drawing/2014/main" id="{12DCE346-E1A6-4689-98D0-61DD334B0068}"/>
+                <a16:creationId xmlns:a16="http://schemas.microsoft.com/office/drawing/2014/main" xmlns="" id="{12DCE346-E1A6-4689-98D0-61DD334B0068}"/>
               </a:ext>
             </a:extLst>
           </p:cNvPr>
@@ -17413,7 +17277,7 @@
           <p:cNvPr id="73" name="TextBox 142">
             <a:extLst>
               <a:ext uri="{FF2B5EF4-FFF2-40B4-BE49-F238E27FC236}">
-                <a16:creationId xmlns:a16="http://schemas.microsoft.com/office/drawing/2014/main" id="{31A20C56-68B5-4855-BBCA-2E27F7C9E256}"/>
+                <a16:creationId xmlns:a16="http://schemas.microsoft.com/office/drawing/2014/main" xmlns="" id="{31A20C56-68B5-4855-BBCA-2E27F7C9E256}"/>
               </a:ext>
             </a:extLst>
           </p:cNvPr>
@@ -17468,7 +17332,7 @@
           <p:cNvPr id="74" name="TextBox 2">
             <a:extLst>
               <a:ext uri="{FF2B5EF4-FFF2-40B4-BE49-F238E27FC236}">
-                <a16:creationId xmlns:a16="http://schemas.microsoft.com/office/drawing/2014/main" id="{32904B79-D116-4727-908C-18DA18E6C491}"/>
+                <a16:creationId xmlns:a16="http://schemas.microsoft.com/office/drawing/2014/main" xmlns="" id="{32904B79-D116-4727-908C-18DA18E6C491}"/>
               </a:ext>
             </a:extLst>
           </p:cNvPr>
@@ -17628,7 +17492,7 @@
           <p:cNvPr id="75" name="Straight Arrow Connector 16">
             <a:extLst>
               <a:ext uri="{FF2B5EF4-FFF2-40B4-BE49-F238E27FC236}">
-                <a16:creationId xmlns:a16="http://schemas.microsoft.com/office/drawing/2014/main" id="{74772B8E-6133-4B5F-9B19-A34052BFBA9B}"/>
+                <a16:creationId xmlns:a16="http://schemas.microsoft.com/office/drawing/2014/main" xmlns="" id="{74772B8E-6133-4B5F-9B19-A34052BFBA9B}"/>
               </a:ext>
             </a:extLst>
           </p:cNvPr>
@@ -17669,7 +17533,7 @@
           <p:cNvPr id="76" name="Flowchart: Connector 49">
             <a:extLst>
               <a:ext uri="{FF2B5EF4-FFF2-40B4-BE49-F238E27FC236}">
-                <a16:creationId xmlns:a16="http://schemas.microsoft.com/office/drawing/2014/main" id="{6691528D-29AE-418B-B26B-AD1925475E80}"/>
+                <a16:creationId xmlns:a16="http://schemas.microsoft.com/office/drawing/2014/main" xmlns="" id="{6691528D-29AE-418B-B26B-AD1925475E80}"/>
               </a:ext>
             </a:extLst>
           </p:cNvPr>
@@ -17756,7 +17620,7 @@
           <p:cNvPr id="78" name="Rectangle 39">
             <a:extLst>
               <a:ext uri="{FF2B5EF4-FFF2-40B4-BE49-F238E27FC236}">
-                <a16:creationId xmlns:a16="http://schemas.microsoft.com/office/drawing/2014/main" id="{8E7FB375-FBCA-4A16-A12F-558CDD793733}"/>
+                <a16:creationId xmlns:a16="http://schemas.microsoft.com/office/drawing/2014/main" xmlns="" id="{8E7FB375-FBCA-4A16-A12F-558CDD793733}"/>
               </a:ext>
             </a:extLst>
           </p:cNvPr>
@@ -17833,7 +17697,7 @@
           <p:cNvPr id="79" name="Rectangle 4">
             <a:extLst>
               <a:ext uri="{FF2B5EF4-FFF2-40B4-BE49-F238E27FC236}">
-                <a16:creationId xmlns:a16="http://schemas.microsoft.com/office/drawing/2014/main" id="{07218A5B-7615-4FEA-AAF7-F00A9DB9E09B}"/>
+                <a16:creationId xmlns:a16="http://schemas.microsoft.com/office/drawing/2014/main" xmlns="" id="{07218A5B-7615-4FEA-AAF7-F00A9DB9E09B}"/>
               </a:ext>
             </a:extLst>
           </p:cNvPr>
@@ -17913,7 +17777,7 @@
           <p:cNvPr id="80" name="Rectangle 4">
             <a:extLst>
               <a:ext uri="{FF2B5EF4-FFF2-40B4-BE49-F238E27FC236}">
-                <a16:creationId xmlns:a16="http://schemas.microsoft.com/office/drawing/2014/main" id="{05C50ADA-4B4D-406C-876B-98B34FDC5729}"/>
+                <a16:creationId xmlns:a16="http://schemas.microsoft.com/office/drawing/2014/main" xmlns="" id="{05C50ADA-4B4D-406C-876B-98B34FDC5729}"/>
               </a:ext>
             </a:extLst>
           </p:cNvPr>
@@ -17973,7 +17837,7 @@
           <p:cNvPr id="81" name="Straight Arrow Connector 14">
             <a:extLst>
               <a:ext uri="{FF2B5EF4-FFF2-40B4-BE49-F238E27FC236}">
-                <a16:creationId xmlns:a16="http://schemas.microsoft.com/office/drawing/2014/main" id="{761847BD-7BFD-43D1-A94C-AC57A939F59F}"/>
+                <a16:creationId xmlns:a16="http://schemas.microsoft.com/office/drawing/2014/main" xmlns="" id="{761847BD-7BFD-43D1-A94C-AC57A939F59F}"/>
               </a:ext>
             </a:extLst>
           </p:cNvPr>
@@ -18055,7 +17919,7 @@
           <p:cNvPr id="83" name="Rectangle 8">
             <a:extLst>
               <a:ext uri="{FF2B5EF4-FFF2-40B4-BE49-F238E27FC236}">
-                <a16:creationId xmlns:a16="http://schemas.microsoft.com/office/drawing/2014/main" id="{F5BF2FD4-8D34-4DAB-AF15-7B8EAA4C8D69}"/>
+                <a16:creationId xmlns:a16="http://schemas.microsoft.com/office/drawing/2014/main" xmlns="" id="{F5BF2FD4-8D34-4DAB-AF15-7B8EAA4C8D69}"/>
               </a:ext>
             </a:extLst>
           </p:cNvPr>
